--- a/TCC - DOCUMENTAÇÃO/Escopo do TCC.pptx
+++ b/TCC - DOCUMENTAÇÃO/Escopo do TCC.pptx
@@ -257,7 +257,7 @@
   </p:defaultTextStyle>
   <p:extLst>
     <p:ext uri="GoogleSlidesCustomDataVersion2">
-      <go:slidesCustomData xmlns:go="http://customooxmlschemas.google.com/" r:id="rId15" roundtripDataSignature="AMtx7mga9ictVHe7mVeepR4r/Oi4Nu9JQg=="/>
+      <go:slidesCustomData xmlns:go="http://customooxmlschemas.google.com/" r:id="rId15" roundtripDataSignature="AMtx7mhGtTRoJ70uO9AsB9UQ3E7en4kSxA=="/>
     </p:ext>
   </p:extLst>
 </p:presentation>
@@ -2044,151 +2044,7 @@
       </p:grpSpPr>
       <p:sp>
         <p:nvSpPr>
-          <p:cNvPr id="155" name="Google Shape;155;g2fae720cda7_0_6:notes"/>
-          <p:cNvSpPr/>
-          <p:nvPr>
-            <p:ph idx="2" type="sldImg"/>
-          </p:nvPr>
-        </p:nvSpPr>
-        <p:spPr>
-          <a:xfrm>
-            <a:off x="685800" y="1143000"/>
-            <a:ext cx="5486400" cy="3086100"/>
-          </a:xfrm>
-          <a:custGeom>
-            <a:rect b="b" l="l" r="r" t="t"/>
-            <a:pathLst>
-              <a:path extrusionOk="0" h="120000" w="120000">
-                <a:moveTo>
-                  <a:pt x="0" y="0"/>
-                </a:moveTo>
-                <a:lnTo>
-                  <a:pt x="120000" y="0"/>
-                </a:lnTo>
-                <a:lnTo>
-                  <a:pt x="120000" y="120000"/>
-                </a:lnTo>
-                <a:lnTo>
-                  <a:pt x="0" y="120000"/>
-                </a:lnTo>
-                <a:close/>
-              </a:path>
-            </a:pathLst>
-          </a:custGeom>
-        </p:spPr>
-      </p:sp>
-      <p:sp>
-        <p:nvSpPr>
-          <p:cNvPr id="156" name="Google Shape;156;g2fae720cda7_0_6:notes"/>
-          <p:cNvSpPr txBox="1"/>
-          <p:nvPr>
-            <p:ph idx="1" type="body"/>
-          </p:nvPr>
-        </p:nvSpPr>
-        <p:spPr>
-          <a:xfrm>
-            <a:off x="685800" y="4400550"/>
-            <a:ext cx="5486400" cy="3600600"/>
-          </a:xfrm>
-          <a:prstGeom prst="rect">
-            <a:avLst/>
-          </a:prstGeom>
-        </p:spPr>
-        <p:txBody>
-          <a:bodyPr anchorCtr="0" anchor="t" bIns="45700" lIns="91425" spcFirstLastPara="1" rIns="91425" wrap="square" tIns="45700">
-            <a:noAutofit/>
-          </a:bodyPr>
-          <a:lstStyle/>
-          <a:p>
-            <a:pPr indent="0" lvl="0" marL="0" rtl="0" algn="l">
-              <a:spcBef>
-                <a:spcPts val="0"/>
-              </a:spcBef>
-              <a:spcAft>
-                <a:spcPts val="0"/>
-              </a:spcAft>
-              <a:buNone/>
-            </a:pPr>
-            <a:r>
-              <a:t/>
-            </a:r>
-            <a:endParaRPr/>
-          </a:p>
-        </p:txBody>
-      </p:sp>
-      <p:sp>
-        <p:nvSpPr>
-          <p:cNvPr id="157" name="Google Shape;157;g2fae720cda7_0_6:notes"/>
-          <p:cNvSpPr txBox="1"/>
-          <p:nvPr>
-            <p:ph idx="12" type="sldNum"/>
-          </p:nvPr>
-        </p:nvSpPr>
-        <p:spPr>
-          <a:xfrm>
-            <a:off x="3884613" y="8685213"/>
-            <a:ext cx="2971800" cy="458700"/>
-          </a:xfrm>
-          <a:prstGeom prst="rect">
-            <a:avLst/>
-          </a:prstGeom>
-        </p:spPr>
-        <p:txBody>
-          <a:bodyPr anchorCtr="0" anchor="b" bIns="45700" lIns="91425" spcFirstLastPara="1" rIns="91425" wrap="square" tIns="45700">
-            <a:noAutofit/>
-          </a:bodyPr>
-          <a:lstStyle/>
-          <a:p>
-            <a:pPr indent="0" lvl="0" marL="0" rtl="0" algn="r">
-              <a:spcBef>
-                <a:spcPts val="0"/>
-              </a:spcBef>
-              <a:spcAft>
-                <a:spcPts val="0"/>
-              </a:spcAft>
-              <a:buClr>
-                <a:srgbClr val="000000"/>
-              </a:buClr>
-              <a:buSzPts val="1200"/>
-              <a:buFont typeface="Arial"/>
-              <a:buNone/>
-            </a:pPr>
-            <a:fld id="{00000000-1234-1234-1234-123412341234}" type="slidenum">
-              <a:rPr lang="pt-BR"/>
-              <a:t>‹#›</a:t>
-            </a:fld>
-            <a:endParaRPr/>
-          </a:p>
-        </p:txBody>
-      </p:sp>
-    </p:spTree>
-  </p:cSld>
-  <p:clrMapOvr>
-    <a:masterClrMapping/>
-  </p:clrMapOvr>
-</p:notes>
-</file>
-
-<file path=ppt/notesSlides/notesSlide4.xml><?xml version="1.0" encoding="utf-8"?>
-<p:notes xmlns:a="http://schemas.openxmlformats.org/drawingml/2006/main" xmlns:r="http://schemas.openxmlformats.org/officeDocument/2006/relationships" xmlns:mc="http://schemas.openxmlformats.org/markup-compatibility/2006" xmlns:mv="urn:schemas-microsoft-com:mac:vml" xmlns:p="http://schemas.openxmlformats.org/presentationml/2006/main" xmlns:c="http://schemas.openxmlformats.org/drawingml/2006/chart" xmlns:dgm="http://schemas.openxmlformats.org/drawingml/2006/diagram" xmlns:o="urn:schemas-microsoft-com:office:office" xmlns:v="urn:schemas-microsoft-com:vml" xmlns:pvml="urn:schemas-microsoft-com:office:powerpoint" xmlns:com="http://schemas.openxmlformats.org/drawingml/2006/compatibility" xmlns:p14="http://schemas.microsoft.com/office/powerpoint/2010/main" xmlns:p15="http://schemas.microsoft.com/office/powerpoint/2012/main" xmlns:ahyp="http://schemas.microsoft.com/office/drawing/2018/hyperlinkcolor" showMasterPhAnim="0" showMasterSp="0">
-  <p:cSld>
-    <p:spTree>
-      <p:nvGrpSpPr>
-        <p:cNvPr id="186" name="Shape 186"/>
-        <p:cNvGrpSpPr/>
-        <p:nvPr/>
-      </p:nvGrpSpPr>
-      <p:grpSpPr>
-        <a:xfrm>
-          <a:off x="0" y="0"/>
-          <a:ext cx="0" cy="0"/>
-          <a:chOff x="0" y="0"/>
-          <a:chExt cx="0" cy="0"/>
-        </a:xfrm>
-      </p:grpSpPr>
-      <p:sp>
-        <p:nvSpPr>
-          <p:cNvPr id="187" name="Google Shape;187;g2203d5762e9_0_6:notes"/>
+          <p:cNvPr id="155" name="Google Shape;155;g2203d5762e9_0_6:notes"/>
           <p:cNvSpPr/>
           <p:nvPr>
             <p:ph idx="2" type="sldImg"/>
@@ -2233,7 +2089,7 @@
       </p:sp>
       <p:sp>
         <p:nvSpPr>
-          <p:cNvPr id="188" name="Google Shape;188;g2203d5762e9_0_6:notes"/>
+          <p:cNvPr id="156" name="Google Shape;156;g2203d5762e9_0_6:notes"/>
           <p:cNvSpPr txBox="1"/>
           <p:nvPr>
             <p:ph idx="1" type="body"/>
@@ -2280,7 +2136,7 @@
       </p:sp>
       <p:sp>
         <p:nvSpPr>
-          <p:cNvPr id="189" name="Google Shape;189;g2203d5762e9_0_6:notes"/>
+          <p:cNvPr id="157" name="Google Shape;157;g2203d5762e9_0_6:notes"/>
           <p:cNvSpPr txBox="1"/>
           <p:nvPr>
             <p:ph idx="12" type="sldNum"/>
@@ -2338,12 +2194,12 @@
 </p:notes>
 </file>
 
-<file path=ppt/notesSlides/notesSlide5.xml><?xml version="1.0" encoding="utf-8"?>
+<file path=ppt/notesSlides/notesSlide4.xml><?xml version="1.0" encoding="utf-8"?>
 <p:notes xmlns:a="http://schemas.openxmlformats.org/drawingml/2006/main" xmlns:r="http://schemas.openxmlformats.org/officeDocument/2006/relationships" xmlns:mc="http://schemas.openxmlformats.org/markup-compatibility/2006" xmlns:mv="urn:schemas-microsoft-com:mac:vml" xmlns:p="http://schemas.openxmlformats.org/presentationml/2006/main" xmlns:c="http://schemas.openxmlformats.org/drawingml/2006/chart" xmlns:dgm="http://schemas.openxmlformats.org/drawingml/2006/diagram" xmlns:o="urn:schemas-microsoft-com:office:office" xmlns:v="urn:schemas-microsoft-com:vml" xmlns:pvml="urn:schemas-microsoft-com:office:powerpoint" xmlns:com="http://schemas.openxmlformats.org/drawingml/2006/compatibility" xmlns:p14="http://schemas.microsoft.com/office/powerpoint/2010/main" xmlns:p15="http://schemas.microsoft.com/office/powerpoint/2012/main" xmlns:ahyp="http://schemas.microsoft.com/office/drawing/2018/hyperlinkcolor" showMasterPhAnim="0" showMasterSp="0">
   <p:cSld>
     <p:spTree>
       <p:nvGrpSpPr>
-        <p:cNvPr id="198" name="Shape 198"/>
+        <p:cNvPr id="172" name="Shape 172"/>
         <p:cNvGrpSpPr/>
         <p:nvPr/>
       </p:nvGrpSpPr>
@@ -2357,7 +2213,151 @@
       </p:grpSpPr>
       <p:sp>
         <p:nvSpPr>
-          <p:cNvPr id="199" name="Google Shape;199;p2:notes"/>
+          <p:cNvPr id="173" name="Google Shape;173;g2fae720cda7_0_6:notes"/>
+          <p:cNvSpPr/>
+          <p:nvPr>
+            <p:ph idx="2" type="sldImg"/>
+          </p:nvPr>
+        </p:nvSpPr>
+        <p:spPr>
+          <a:xfrm>
+            <a:off x="685800" y="1143000"/>
+            <a:ext cx="5486400" cy="3086100"/>
+          </a:xfrm>
+          <a:custGeom>
+            <a:rect b="b" l="l" r="r" t="t"/>
+            <a:pathLst>
+              <a:path extrusionOk="0" h="120000" w="120000">
+                <a:moveTo>
+                  <a:pt x="0" y="0"/>
+                </a:moveTo>
+                <a:lnTo>
+                  <a:pt x="120000" y="0"/>
+                </a:lnTo>
+                <a:lnTo>
+                  <a:pt x="120000" y="120000"/>
+                </a:lnTo>
+                <a:lnTo>
+                  <a:pt x="0" y="120000"/>
+                </a:lnTo>
+                <a:close/>
+              </a:path>
+            </a:pathLst>
+          </a:custGeom>
+        </p:spPr>
+      </p:sp>
+      <p:sp>
+        <p:nvSpPr>
+          <p:cNvPr id="174" name="Google Shape;174;g2fae720cda7_0_6:notes"/>
+          <p:cNvSpPr txBox="1"/>
+          <p:nvPr>
+            <p:ph idx="1" type="body"/>
+          </p:nvPr>
+        </p:nvSpPr>
+        <p:spPr>
+          <a:xfrm>
+            <a:off x="685800" y="4400550"/>
+            <a:ext cx="5486400" cy="3600600"/>
+          </a:xfrm>
+          <a:prstGeom prst="rect">
+            <a:avLst/>
+          </a:prstGeom>
+        </p:spPr>
+        <p:txBody>
+          <a:bodyPr anchorCtr="0" anchor="t" bIns="45700" lIns="91425" spcFirstLastPara="1" rIns="91425" wrap="square" tIns="45700">
+            <a:noAutofit/>
+          </a:bodyPr>
+          <a:lstStyle/>
+          <a:p>
+            <a:pPr indent="0" lvl="0" marL="0" rtl="0" algn="l">
+              <a:spcBef>
+                <a:spcPts val="0"/>
+              </a:spcBef>
+              <a:spcAft>
+                <a:spcPts val="0"/>
+              </a:spcAft>
+              <a:buNone/>
+            </a:pPr>
+            <a:r>
+              <a:t/>
+            </a:r>
+            <a:endParaRPr/>
+          </a:p>
+        </p:txBody>
+      </p:sp>
+      <p:sp>
+        <p:nvSpPr>
+          <p:cNvPr id="175" name="Google Shape;175;g2fae720cda7_0_6:notes"/>
+          <p:cNvSpPr txBox="1"/>
+          <p:nvPr>
+            <p:ph idx="12" type="sldNum"/>
+          </p:nvPr>
+        </p:nvSpPr>
+        <p:spPr>
+          <a:xfrm>
+            <a:off x="3884613" y="8685213"/>
+            <a:ext cx="2971800" cy="458700"/>
+          </a:xfrm>
+          <a:prstGeom prst="rect">
+            <a:avLst/>
+          </a:prstGeom>
+        </p:spPr>
+        <p:txBody>
+          <a:bodyPr anchorCtr="0" anchor="b" bIns="45700" lIns="91425" spcFirstLastPara="1" rIns="91425" wrap="square" tIns="45700">
+            <a:noAutofit/>
+          </a:bodyPr>
+          <a:lstStyle/>
+          <a:p>
+            <a:pPr indent="0" lvl="0" marL="0" rtl="0" algn="r">
+              <a:spcBef>
+                <a:spcPts val="0"/>
+              </a:spcBef>
+              <a:spcAft>
+                <a:spcPts val="0"/>
+              </a:spcAft>
+              <a:buClr>
+                <a:srgbClr val="000000"/>
+              </a:buClr>
+              <a:buSzPts val="1200"/>
+              <a:buFont typeface="Arial"/>
+              <a:buNone/>
+            </a:pPr>
+            <a:fld id="{00000000-1234-1234-1234-123412341234}" type="slidenum">
+              <a:rPr lang="pt-BR"/>
+              <a:t>‹#›</a:t>
+            </a:fld>
+            <a:endParaRPr/>
+          </a:p>
+        </p:txBody>
+      </p:sp>
+    </p:spTree>
+  </p:cSld>
+  <p:clrMapOvr>
+    <a:masterClrMapping/>
+  </p:clrMapOvr>
+</p:notes>
+</file>
+
+<file path=ppt/notesSlides/notesSlide5.xml><?xml version="1.0" encoding="utf-8"?>
+<p:notes xmlns:a="http://schemas.openxmlformats.org/drawingml/2006/main" xmlns:r="http://schemas.openxmlformats.org/officeDocument/2006/relationships" xmlns:mc="http://schemas.openxmlformats.org/markup-compatibility/2006" xmlns:mv="urn:schemas-microsoft-com:mac:vml" xmlns:p="http://schemas.openxmlformats.org/presentationml/2006/main" xmlns:c="http://schemas.openxmlformats.org/drawingml/2006/chart" xmlns:dgm="http://schemas.openxmlformats.org/drawingml/2006/diagram" xmlns:o="urn:schemas-microsoft-com:office:office" xmlns:v="urn:schemas-microsoft-com:vml" xmlns:pvml="urn:schemas-microsoft-com:office:powerpoint" xmlns:com="http://schemas.openxmlformats.org/drawingml/2006/compatibility" xmlns:p14="http://schemas.microsoft.com/office/powerpoint/2010/main" xmlns:p15="http://schemas.microsoft.com/office/powerpoint/2012/main" xmlns:ahyp="http://schemas.microsoft.com/office/drawing/2018/hyperlinkcolor" showMasterPhAnim="0" showMasterSp="0">
+  <p:cSld>
+    <p:spTree>
+      <p:nvGrpSpPr>
+        <p:cNvPr id="204" name="Shape 204"/>
+        <p:cNvGrpSpPr/>
+        <p:nvPr/>
+      </p:nvGrpSpPr>
+      <p:grpSpPr>
+        <a:xfrm>
+          <a:off x="0" y="0"/>
+          <a:ext cx="0" cy="0"/>
+          <a:chOff x="0" y="0"/>
+          <a:chExt cx="0" cy="0"/>
+        </a:xfrm>
+      </p:grpSpPr>
+      <p:sp>
+        <p:nvSpPr>
+          <p:cNvPr id="205" name="Google Shape;205;p2:notes"/>
           <p:cNvSpPr txBox="1"/>
           <p:nvPr>
             <p:ph idx="1" type="body"/>
@@ -2404,7 +2404,7 @@
       </p:sp>
       <p:sp>
         <p:nvSpPr>
-          <p:cNvPr id="200" name="Google Shape;200;p2:notes"/>
+          <p:cNvPr id="206" name="Google Shape;206;p2:notes"/>
           <p:cNvSpPr/>
           <p:nvPr>
             <p:ph idx="2" type="sldImg"/>
@@ -2460,7 +2460,7 @@
   <p:cSld>
     <p:spTree>
       <p:nvGrpSpPr>
-        <p:cNvPr id="211" name="Shape 211"/>
+        <p:cNvPr id="217" name="Shape 217"/>
         <p:cNvGrpSpPr/>
         <p:nvPr/>
       </p:nvGrpSpPr>
@@ -2474,7 +2474,7 @@
       </p:grpSpPr>
       <p:sp>
         <p:nvSpPr>
-          <p:cNvPr id="212" name="Google Shape;212;p3:notes"/>
+          <p:cNvPr id="218" name="Google Shape;218;p3:notes"/>
           <p:cNvSpPr/>
           <p:nvPr>
             <p:ph idx="2" type="sldImg"/>
@@ -2519,7 +2519,7 @@
       </p:sp>
       <p:sp>
         <p:nvSpPr>
-          <p:cNvPr id="213" name="Google Shape;213;p3:notes"/>
+          <p:cNvPr id="219" name="Google Shape;219;p3:notes"/>
           <p:cNvSpPr txBox="1"/>
           <p:nvPr>
             <p:ph idx="1" type="body"/>
@@ -2566,7 +2566,7 @@
       </p:sp>
       <p:sp>
         <p:nvSpPr>
-          <p:cNvPr id="214" name="Google Shape;214;p3:notes"/>
+          <p:cNvPr id="220" name="Google Shape;220;p3:notes"/>
           <p:cNvSpPr txBox="1"/>
           <p:nvPr>
             <p:ph idx="12" type="sldNum"/>
@@ -2625,7 +2625,7 @@
   <p:cSld>
     <p:spTree>
       <p:nvGrpSpPr>
-        <p:cNvPr id="243" name="Shape 243"/>
+        <p:cNvPr id="249" name="Shape 249"/>
         <p:cNvGrpSpPr/>
         <p:nvPr/>
       </p:nvGrpSpPr>
@@ -2639,7 +2639,7 @@
       </p:grpSpPr>
       <p:sp>
         <p:nvSpPr>
-          <p:cNvPr id="244" name="Google Shape;244;g2ef47334477_3_6:notes"/>
+          <p:cNvPr id="250" name="Google Shape;250;g2ef47334477_3_6:notes"/>
           <p:cNvSpPr/>
           <p:nvPr>
             <p:ph idx="2" type="sldImg"/>
@@ -2684,7 +2684,7 @@
       </p:sp>
       <p:sp>
         <p:nvSpPr>
-          <p:cNvPr id="245" name="Google Shape;245;g2ef47334477_3_6:notes"/>
+          <p:cNvPr id="251" name="Google Shape;251;g2ef47334477_3_6:notes"/>
           <p:cNvSpPr txBox="1"/>
           <p:nvPr>
             <p:ph idx="1" type="body"/>
@@ -2731,7 +2731,7 @@
       </p:sp>
       <p:sp>
         <p:nvSpPr>
-          <p:cNvPr id="246" name="Google Shape;246;g2ef47334477_3_6:notes"/>
+          <p:cNvPr id="252" name="Google Shape;252;g2ef47334477_3_6:notes"/>
           <p:cNvSpPr txBox="1"/>
           <p:nvPr>
             <p:ph idx="12" type="sldNum"/>
@@ -2794,7 +2794,7 @@
   <p:cSld>
     <p:spTree>
       <p:nvGrpSpPr>
-        <p:cNvPr id="271" name="Shape 271"/>
+        <p:cNvPr id="278" name="Shape 278"/>
         <p:cNvGrpSpPr/>
         <p:nvPr/>
       </p:nvGrpSpPr>
@@ -2808,7 +2808,7 @@
       </p:grpSpPr>
       <p:sp>
         <p:nvSpPr>
-          <p:cNvPr id="272" name="Google Shape;272;g2ef47334477_4_15:notes"/>
+          <p:cNvPr id="279" name="Google Shape;279;g2ef47334477_4_15:notes"/>
           <p:cNvSpPr/>
           <p:nvPr>
             <p:ph idx="2" type="sldImg"/>
@@ -2853,7 +2853,7 @@
       </p:sp>
       <p:sp>
         <p:nvSpPr>
-          <p:cNvPr id="273" name="Google Shape;273;g2ef47334477_4_15:notes"/>
+          <p:cNvPr id="280" name="Google Shape;280;g2ef47334477_4_15:notes"/>
           <p:cNvSpPr txBox="1"/>
           <p:nvPr>
             <p:ph idx="1" type="body"/>
@@ -2900,7 +2900,7 @@
       </p:sp>
       <p:sp>
         <p:nvSpPr>
-          <p:cNvPr id="274" name="Google Shape;274;g2ef47334477_4_15:notes"/>
+          <p:cNvPr id="281" name="Google Shape;281;g2ef47334477_4_15:notes"/>
           <p:cNvSpPr txBox="1"/>
           <p:nvPr>
             <p:ph idx="12" type="sldNum"/>
@@ -19939,7 +19939,887 @@
       </p:grpSpPr>
       <p:sp>
         <p:nvSpPr>
-          <p:cNvPr id="159" name="Google Shape;159;g2fae720cda7_0_6"/>
+          <p:cNvPr id="159" name="Google Shape;159;g2203d5762e9_0_6"/>
+          <p:cNvSpPr txBox="1"/>
+          <p:nvPr/>
+        </p:nvSpPr>
+        <p:spPr>
+          <a:xfrm>
+            <a:off x="244075" y="485075"/>
+            <a:ext cx="1753800" cy="965700"/>
+          </a:xfrm>
+          <a:prstGeom prst="rect">
+            <a:avLst/>
+          </a:prstGeom>
+          <a:noFill/>
+          <a:ln>
+            <a:noFill/>
+          </a:ln>
+        </p:spPr>
+        <p:txBody>
+          <a:bodyPr anchorCtr="0" anchor="t" bIns="91425" lIns="91425" spcFirstLastPara="1" rIns="91425" wrap="square" tIns="91425">
+            <a:noAutofit/>
+          </a:bodyPr>
+          <a:lstStyle/>
+          <a:p>
+            <a:pPr indent="0" lvl="0" marL="0" marR="0" rtl="0" algn="l">
+              <a:lnSpc>
+                <a:spcPct val="100000"/>
+              </a:lnSpc>
+              <a:spcBef>
+                <a:spcPts val="0"/>
+              </a:spcBef>
+              <a:spcAft>
+                <a:spcPts val="0"/>
+              </a:spcAft>
+              <a:buClr>
+                <a:srgbClr val="000000"/>
+              </a:buClr>
+              <a:buSzPts val="2800"/>
+              <a:buFont typeface="Arial"/>
+              <a:buNone/>
+            </a:pPr>
+            <a:r>
+              <a:rPr b="0" i="0" lang="pt-BR" sz="2800" u="none" cap="none" strike="noStrike">
+                <a:solidFill>
+                  <a:schemeClr val="dk1"/>
+                </a:solidFill>
+                <a:latin typeface="Arial"/>
+                <a:ea typeface="Arial"/>
+                <a:cs typeface="Arial"/>
+                <a:sym typeface="Arial"/>
+              </a:rPr>
+              <a:t>Página de </a:t>
+            </a:r>
+            <a:r>
+              <a:rPr lang="pt-BR" sz="2800">
+                <a:solidFill>
+                  <a:schemeClr val="dk1"/>
+                </a:solidFill>
+              </a:rPr>
+              <a:t>registro</a:t>
+            </a:r>
+            <a:endParaRPr b="0" i="0" sz="2800" u="none" cap="none" strike="noStrike">
+              <a:solidFill>
+                <a:schemeClr val="dk1"/>
+              </a:solidFill>
+              <a:latin typeface="Arial"/>
+              <a:ea typeface="Arial"/>
+              <a:cs typeface="Arial"/>
+              <a:sym typeface="Arial"/>
+            </a:endParaRPr>
+          </a:p>
+        </p:txBody>
+      </p:sp>
+      <p:sp>
+        <p:nvSpPr>
+          <p:cNvPr id="160" name="Google Shape;160;g2203d5762e9_0_6"/>
+          <p:cNvSpPr/>
+          <p:nvPr/>
+        </p:nvSpPr>
+        <p:spPr>
+          <a:xfrm>
+            <a:off x="4884000" y="669025"/>
+            <a:ext cx="3882300" cy="5851200"/>
+          </a:xfrm>
+          <a:prstGeom prst="roundRect">
+            <a:avLst>
+              <a:gd fmla="val 16667" name="adj"/>
+            </a:avLst>
+          </a:prstGeom>
+          <a:solidFill>
+            <a:schemeClr val="accent1"/>
+          </a:solidFill>
+          <a:ln cap="flat" cmpd="sng" w="9525">
+            <a:solidFill>
+              <a:schemeClr val="dk2"/>
+            </a:solidFill>
+            <a:prstDash val="solid"/>
+            <a:round/>
+            <a:headEnd len="sm" w="sm" type="none"/>
+            <a:tailEnd len="sm" w="sm" type="none"/>
+          </a:ln>
+        </p:spPr>
+        <p:txBody>
+          <a:bodyPr anchorCtr="0" anchor="ctr" bIns="91425" lIns="91425" spcFirstLastPara="1" rIns="91425" wrap="square" tIns="91425">
+            <a:noAutofit/>
+          </a:bodyPr>
+          <a:lstStyle/>
+          <a:p>
+            <a:pPr indent="0" lvl="0" marL="0" marR="0" rtl="0" algn="ctr">
+              <a:lnSpc>
+                <a:spcPct val="100000"/>
+              </a:lnSpc>
+              <a:spcBef>
+                <a:spcPts val="0"/>
+              </a:spcBef>
+              <a:spcAft>
+                <a:spcPts val="0"/>
+              </a:spcAft>
+              <a:buClr>
+                <a:srgbClr val="000000"/>
+              </a:buClr>
+              <a:buSzPts val="1400"/>
+              <a:buFont typeface="Arial"/>
+              <a:buNone/>
+            </a:pPr>
+            <a:r>
+              <a:t/>
+            </a:r>
+            <a:endParaRPr b="0" i="0" sz="1400" u="none" cap="none" strike="noStrike">
+              <a:solidFill>
+                <a:srgbClr val="000000"/>
+              </a:solidFill>
+              <a:latin typeface="Arial"/>
+              <a:ea typeface="Arial"/>
+              <a:cs typeface="Arial"/>
+              <a:sym typeface="Arial"/>
+            </a:endParaRPr>
+          </a:p>
+        </p:txBody>
+      </p:sp>
+      <p:sp>
+        <p:nvSpPr>
+          <p:cNvPr id="161" name="Google Shape;161;g2203d5762e9_0_6"/>
+          <p:cNvSpPr txBox="1"/>
+          <p:nvPr/>
+        </p:nvSpPr>
+        <p:spPr>
+          <a:xfrm>
+            <a:off x="5393400" y="1223975"/>
+            <a:ext cx="1565100" cy="358500"/>
+          </a:xfrm>
+          <a:prstGeom prst="rect">
+            <a:avLst/>
+          </a:prstGeom>
+          <a:noFill/>
+          <a:ln>
+            <a:noFill/>
+          </a:ln>
+        </p:spPr>
+        <p:txBody>
+          <a:bodyPr anchorCtr="0" anchor="t" bIns="91425" lIns="91425" spcFirstLastPara="1" rIns="91425" wrap="square" tIns="91425">
+            <a:noAutofit/>
+          </a:bodyPr>
+          <a:lstStyle/>
+          <a:p>
+            <a:pPr indent="0" lvl="0" marL="0" marR="0" rtl="0" algn="l">
+              <a:lnSpc>
+                <a:spcPct val="100000"/>
+              </a:lnSpc>
+              <a:spcBef>
+                <a:spcPts val="0"/>
+              </a:spcBef>
+              <a:spcAft>
+                <a:spcPts val="0"/>
+              </a:spcAft>
+              <a:buClr>
+                <a:srgbClr val="000000"/>
+              </a:buClr>
+              <a:buSzPts val="2800"/>
+              <a:buFont typeface="Arial"/>
+              <a:buNone/>
+            </a:pPr>
+            <a:r>
+              <a:rPr b="0" i="0" lang="pt-BR" u="none" cap="none" strike="noStrike">
+                <a:solidFill>
+                  <a:schemeClr val="dk1"/>
+                </a:solidFill>
+                <a:latin typeface="Arial"/>
+                <a:ea typeface="Arial"/>
+                <a:cs typeface="Arial"/>
+                <a:sym typeface="Arial"/>
+              </a:rPr>
+              <a:t>Nome completo:</a:t>
+            </a:r>
+            <a:endParaRPr b="0" i="0" sz="2800" u="none" cap="none" strike="noStrike">
+              <a:solidFill>
+                <a:schemeClr val="dk1"/>
+              </a:solidFill>
+              <a:latin typeface="Arial"/>
+              <a:ea typeface="Arial"/>
+              <a:cs typeface="Arial"/>
+              <a:sym typeface="Arial"/>
+            </a:endParaRPr>
+          </a:p>
+        </p:txBody>
+      </p:sp>
+      <p:sp>
+        <p:nvSpPr>
+          <p:cNvPr id="162" name="Google Shape;162;g2203d5762e9_0_6"/>
+          <p:cNvSpPr txBox="1"/>
+          <p:nvPr/>
+        </p:nvSpPr>
+        <p:spPr>
+          <a:xfrm>
+            <a:off x="5424450" y="1698275"/>
+            <a:ext cx="1387800" cy="424200"/>
+          </a:xfrm>
+          <a:prstGeom prst="rect">
+            <a:avLst/>
+          </a:prstGeom>
+          <a:noFill/>
+          <a:ln>
+            <a:noFill/>
+          </a:ln>
+        </p:spPr>
+        <p:txBody>
+          <a:bodyPr anchorCtr="0" anchor="t" bIns="91425" lIns="91425" spcFirstLastPara="1" rIns="91425" wrap="square" tIns="91425">
+            <a:noAutofit/>
+          </a:bodyPr>
+          <a:lstStyle/>
+          <a:p>
+            <a:pPr indent="0" lvl="0" marL="0" marR="0" rtl="0" algn="l">
+              <a:lnSpc>
+                <a:spcPct val="100000"/>
+              </a:lnSpc>
+              <a:spcBef>
+                <a:spcPts val="0"/>
+              </a:spcBef>
+              <a:spcAft>
+                <a:spcPts val="0"/>
+              </a:spcAft>
+              <a:buClr>
+                <a:srgbClr val="000000"/>
+              </a:buClr>
+              <a:buSzPts val="2800"/>
+              <a:buFont typeface="Arial"/>
+              <a:buNone/>
+            </a:pPr>
+            <a:r>
+              <a:rPr b="0" i="0" lang="pt-BR" u="none" cap="none" strike="noStrike">
+                <a:solidFill>
+                  <a:schemeClr val="dk1"/>
+                </a:solidFill>
+                <a:latin typeface="Arial"/>
+                <a:ea typeface="Arial"/>
+                <a:cs typeface="Arial"/>
+                <a:sym typeface="Arial"/>
+              </a:rPr>
+              <a:t>Data de nascimento:</a:t>
+            </a:r>
+            <a:endParaRPr b="0" i="0" sz="2800" u="none" cap="none" strike="noStrike">
+              <a:solidFill>
+                <a:schemeClr val="dk1"/>
+              </a:solidFill>
+              <a:latin typeface="Arial"/>
+              <a:ea typeface="Arial"/>
+              <a:cs typeface="Arial"/>
+              <a:sym typeface="Arial"/>
+            </a:endParaRPr>
+          </a:p>
+        </p:txBody>
+      </p:sp>
+      <p:sp>
+        <p:nvSpPr>
+          <p:cNvPr id="163" name="Google Shape;163;g2203d5762e9_0_6"/>
+          <p:cNvSpPr txBox="1"/>
+          <p:nvPr/>
+        </p:nvSpPr>
+        <p:spPr>
+          <a:xfrm>
+            <a:off x="5508000" y="2291400"/>
+            <a:ext cx="988500" cy="424200"/>
+          </a:xfrm>
+          <a:prstGeom prst="rect">
+            <a:avLst/>
+          </a:prstGeom>
+          <a:noFill/>
+          <a:ln>
+            <a:noFill/>
+          </a:ln>
+        </p:spPr>
+        <p:txBody>
+          <a:bodyPr anchorCtr="0" anchor="t" bIns="91425" lIns="91425" spcFirstLastPara="1" rIns="91425" wrap="square" tIns="91425">
+            <a:noAutofit/>
+          </a:bodyPr>
+          <a:lstStyle/>
+          <a:p>
+            <a:pPr indent="0" lvl="0" marL="0" marR="0" rtl="0" algn="l">
+              <a:lnSpc>
+                <a:spcPct val="100000"/>
+              </a:lnSpc>
+              <a:spcBef>
+                <a:spcPts val="0"/>
+              </a:spcBef>
+              <a:spcAft>
+                <a:spcPts val="0"/>
+              </a:spcAft>
+              <a:buClr>
+                <a:srgbClr val="000000"/>
+              </a:buClr>
+              <a:buSzPts val="2800"/>
+              <a:buFont typeface="Arial"/>
+              <a:buNone/>
+            </a:pPr>
+            <a:r>
+              <a:rPr lang="pt-BR">
+                <a:solidFill>
+                  <a:schemeClr val="dk1"/>
+                </a:solidFill>
+              </a:rPr>
+              <a:t>Telefone:</a:t>
+            </a:r>
+            <a:endParaRPr b="0" i="0" sz="2800" u="none" cap="none" strike="noStrike">
+              <a:solidFill>
+                <a:schemeClr val="dk1"/>
+              </a:solidFill>
+              <a:latin typeface="Arial"/>
+              <a:ea typeface="Arial"/>
+              <a:cs typeface="Arial"/>
+              <a:sym typeface="Arial"/>
+            </a:endParaRPr>
+          </a:p>
+        </p:txBody>
+      </p:sp>
+      <p:sp>
+        <p:nvSpPr>
+          <p:cNvPr id="164" name="Google Shape;164;g2203d5762e9_0_6"/>
+          <p:cNvSpPr txBox="1"/>
+          <p:nvPr/>
+        </p:nvSpPr>
+        <p:spPr>
+          <a:xfrm>
+            <a:off x="5451750" y="2765834"/>
+            <a:ext cx="651600" cy="424200"/>
+          </a:xfrm>
+          <a:prstGeom prst="rect">
+            <a:avLst/>
+          </a:prstGeom>
+          <a:noFill/>
+          <a:ln>
+            <a:noFill/>
+          </a:ln>
+        </p:spPr>
+        <p:txBody>
+          <a:bodyPr anchorCtr="0" anchor="t" bIns="91425" lIns="91425" spcFirstLastPara="1" rIns="91425" wrap="square" tIns="91425">
+            <a:noAutofit/>
+          </a:bodyPr>
+          <a:lstStyle/>
+          <a:p>
+            <a:pPr indent="0" lvl="0" marL="0" marR="0" rtl="0" algn="l">
+              <a:lnSpc>
+                <a:spcPct val="100000"/>
+              </a:lnSpc>
+              <a:spcBef>
+                <a:spcPts val="0"/>
+              </a:spcBef>
+              <a:spcAft>
+                <a:spcPts val="0"/>
+              </a:spcAft>
+              <a:buClr>
+                <a:srgbClr val="000000"/>
+              </a:buClr>
+              <a:buSzPts val="2800"/>
+              <a:buFont typeface="Arial"/>
+              <a:buNone/>
+            </a:pPr>
+            <a:r>
+              <a:rPr lang="pt-BR">
+                <a:solidFill>
+                  <a:schemeClr val="dk1"/>
+                </a:solidFill>
+              </a:rPr>
+              <a:t>Cep</a:t>
+            </a:r>
+            <a:r>
+              <a:rPr b="0" i="0" lang="pt-BR" u="none" cap="none" strike="noStrike">
+                <a:solidFill>
+                  <a:schemeClr val="dk1"/>
+                </a:solidFill>
+                <a:latin typeface="Arial"/>
+                <a:ea typeface="Arial"/>
+                <a:cs typeface="Arial"/>
+                <a:sym typeface="Arial"/>
+              </a:rPr>
+              <a:t>:</a:t>
+            </a:r>
+            <a:endParaRPr b="0" i="0" sz="2800" u="none" cap="none" strike="noStrike">
+              <a:solidFill>
+                <a:schemeClr val="dk1"/>
+              </a:solidFill>
+              <a:latin typeface="Arial"/>
+              <a:ea typeface="Arial"/>
+              <a:cs typeface="Arial"/>
+              <a:sym typeface="Arial"/>
+            </a:endParaRPr>
+          </a:p>
+        </p:txBody>
+      </p:sp>
+      <p:sp>
+        <p:nvSpPr>
+          <p:cNvPr id="165" name="Google Shape;165;g2203d5762e9_0_6"/>
+          <p:cNvSpPr txBox="1"/>
+          <p:nvPr/>
+        </p:nvSpPr>
+        <p:spPr>
+          <a:xfrm>
+            <a:off x="5450400" y="3248188"/>
+            <a:ext cx="1103700" cy="358500"/>
+          </a:xfrm>
+          <a:prstGeom prst="rect">
+            <a:avLst/>
+          </a:prstGeom>
+          <a:noFill/>
+          <a:ln>
+            <a:noFill/>
+          </a:ln>
+        </p:spPr>
+        <p:txBody>
+          <a:bodyPr anchorCtr="0" anchor="t" bIns="91425" lIns="91425" spcFirstLastPara="1" rIns="91425" wrap="square" tIns="91425">
+            <a:noAutofit/>
+          </a:bodyPr>
+          <a:lstStyle/>
+          <a:p>
+            <a:pPr indent="0" lvl="0" marL="0" marR="0" rtl="0" algn="l">
+              <a:lnSpc>
+                <a:spcPct val="100000"/>
+              </a:lnSpc>
+              <a:spcBef>
+                <a:spcPts val="0"/>
+              </a:spcBef>
+              <a:spcAft>
+                <a:spcPts val="0"/>
+              </a:spcAft>
+              <a:buClr>
+                <a:srgbClr val="000000"/>
+              </a:buClr>
+              <a:buSzPts val="2800"/>
+              <a:buFont typeface="Arial"/>
+              <a:buNone/>
+            </a:pPr>
+            <a:r>
+              <a:rPr lang="pt-BR">
+                <a:solidFill>
+                  <a:schemeClr val="dk1"/>
+                </a:solidFill>
+              </a:rPr>
+              <a:t>Endereço:</a:t>
+            </a:r>
+            <a:endParaRPr b="0" i="0" sz="2800" u="none" cap="none" strike="noStrike">
+              <a:solidFill>
+                <a:schemeClr val="dk1"/>
+              </a:solidFill>
+              <a:latin typeface="Arial"/>
+              <a:ea typeface="Arial"/>
+              <a:cs typeface="Arial"/>
+              <a:sym typeface="Arial"/>
+            </a:endParaRPr>
+          </a:p>
+        </p:txBody>
+      </p:sp>
+      <p:sp>
+        <p:nvSpPr>
+          <p:cNvPr id="166" name="Google Shape;166;g2203d5762e9_0_6"/>
+          <p:cNvSpPr txBox="1"/>
+          <p:nvPr/>
+        </p:nvSpPr>
+        <p:spPr>
+          <a:xfrm>
+            <a:off x="5424450" y="4173050"/>
+            <a:ext cx="988500" cy="277800"/>
+          </a:xfrm>
+          <a:prstGeom prst="rect">
+            <a:avLst/>
+          </a:prstGeom>
+          <a:noFill/>
+          <a:ln>
+            <a:noFill/>
+          </a:ln>
+        </p:spPr>
+        <p:txBody>
+          <a:bodyPr anchorCtr="0" anchor="t" bIns="91425" lIns="91425" spcFirstLastPara="1" rIns="91425" wrap="square" tIns="91425">
+            <a:noAutofit/>
+          </a:bodyPr>
+          <a:lstStyle/>
+          <a:p>
+            <a:pPr indent="0" lvl="0" marL="0" marR="0" rtl="0" algn="l">
+              <a:lnSpc>
+                <a:spcPct val="100000"/>
+              </a:lnSpc>
+              <a:spcBef>
+                <a:spcPts val="0"/>
+              </a:spcBef>
+              <a:spcAft>
+                <a:spcPts val="0"/>
+              </a:spcAft>
+              <a:buClr>
+                <a:srgbClr val="000000"/>
+              </a:buClr>
+              <a:buSzPts val="2800"/>
+              <a:buFont typeface="Arial"/>
+              <a:buNone/>
+            </a:pPr>
+            <a:r>
+              <a:rPr lang="pt-BR">
+                <a:solidFill>
+                  <a:schemeClr val="dk1"/>
+                </a:solidFill>
+              </a:rPr>
+              <a:t>Bairro</a:t>
+            </a:r>
+            <a:r>
+              <a:rPr b="0" i="0" lang="pt-BR" u="none" cap="none" strike="noStrike">
+                <a:solidFill>
+                  <a:schemeClr val="dk1"/>
+                </a:solidFill>
+                <a:latin typeface="Arial"/>
+                <a:ea typeface="Arial"/>
+                <a:cs typeface="Arial"/>
+                <a:sym typeface="Arial"/>
+              </a:rPr>
+              <a:t>:</a:t>
+            </a:r>
+            <a:endParaRPr b="0" i="0" sz="2800" u="none" cap="none" strike="noStrike">
+              <a:solidFill>
+                <a:schemeClr val="dk1"/>
+              </a:solidFill>
+              <a:latin typeface="Arial"/>
+              <a:ea typeface="Arial"/>
+              <a:cs typeface="Arial"/>
+              <a:sym typeface="Arial"/>
+            </a:endParaRPr>
+          </a:p>
+        </p:txBody>
+      </p:sp>
+      <p:sp>
+        <p:nvSpPr>
+          <p:cNvPr id="167" name="Google Shape;167;g2203d5762e9_0_6"/>
+          <p:cNvSpPr txBox="1"/>
+          <p:nvPr/>
+        </p:nvSpPr>
+        <p:spPr>
+          <a:xfrm>
+            <a:off x="5366850" y="3748850"/>
+            <a:ext cx="821400" cy="424200"/>
+          </a:xfrm>
+          <a:prstGeom prst="rect">
+            <a:avLst/>
+          </a:prstGeom>
+          <a:noFill/>
+          <a:ln>
+            <a:noFill/>
+          </a:ln>
+        </p:spPr>
+        <p:txBody>
+          <a:bodyPr anchorCtr="0" anchor="t" bIns="91425" lIns="91425" spcFirstLastPara="1" rIns="91425" wrap="square" tIns="91425">
+            <a:noAutofit/>
+          </a:bodyPr>
+          <a:lstStyle/>
+          <a:p>
+            <a:pPr indent="0" lvl="0" marL="0" marR="0" rtl="0" algn="l">
+              <a:lnSpc>
+                <a:spcPct val="100000"/>
+              </a:lnSpc>
+              <a:spcBef>
+                <a:spcPts val="0"/>
+              </a:spcBef>
+              <a:spcAft>
+                <a:spcPts val="0"/>
+              </a:spcAft>
+              <a:buClr>
+                <a:srgbClr val="000000"/>
+              </a:buClr>
+              <a:buSzPts val="2800"/>
+              <a:buFont typeface="Arial"/>
+              <a:buNone/>
+            </a:pPr>
+            <a:r>
+              <a:rPr lang="pt-BR">
+                <a:solidFill>
+                  <a:schemeClr val="dk1"/>
+                </a:solidFill>
+              </a:rPr>
+              <a:t>Cidade</a:t>
+            </a:r>
+            <a:r>
+              <a:rPr b="0" i="0" lang="pt-BR" u="none" cap="none" strike="noStrike">
+                <a:solidFill>
+                  <a:schemeClr val="dk1"/>
+                </a:solidFill>
+                <a:latin typeface="Arial"/>
+                <a:ea typeface="Arial"/>
+                <a:cs typeface="Arial"/>
+                <a:sym typeface="Arial"/>
+              </a:rPr>
+              <a:t>:</a:t>
+            </a:r>
+            <a:endParaRPr b="0" i="0" sz="2800" u="none" cap="none" strike="noStrike">
+              <a:solidFill>
+                <a:schemeClr val="dk1"/>
+              </a:solidFill>
+              <a:latin typeface="Arial"/>
+              <a:ea typeface="Arial"/>
+              <a:cs typeface="Arial"/>
+              <a:sym typeface="Arial"/>
+            </a:endParaRPr>
+          </a:p>
+        </p:txBody>
+      </p:sp>
+      <p:sp>
+        <p:nvSpPr>
+          <p:cNvPr id="168" name="Google Shape;168;g2203d5762e9_0_6"/>
+          <p:cNvSpPr txBox="1"/>
+          <p:nvPr/>
+        </p:nvSpPr>
+        <p:spPr>
+          <a:xfrm>
+            <a:off x="5424450" y="4597575"/>
+            <a:ext cx="1387800" cy="571500"/>
+          </a:xfrm>
+          <a:prstGeom prst="rect">
+            <a:avLst/>
+          </a:prstGeom>
+          <a:noFill/>
+          <a:ln>
+            <a:noFill/>
+          </a:ln>
+        </p:spPr>
+        <p:txBody>
+          <a:bodyPr anchorCtr="0" anchor="t" bIns="91425" lIns="91425" spcFirstLastPara="1" rIns="91425" wrap="square" tIns="91425">
+            <a:noAutofit/>
+          </a:bodyPr>
+          <a:lstStyle/>
+          <a:p>
+            <a:pPr indent="0" lvl="0" marL="0" marR="0" rtl="0" algn="l">
+              <a:lnSpc>
+                <a:spcPct val="100000"/>
+              </a:lnSpc>
+              <a:spcBef>
+                <a:spcPts val="0"/>
+              </a:spcBef>
+              <a:spcAft>
+                <a:spcPts val="0"/>
+              </a:spcAft>
+              <a:buClr>
+                <a:srgbClr val="000000"/>
+              </a:buClr>
+              <a:buSzPts val="2800"/>
+              <a:buFont typeface="Arial"/>
+              <a:buNone/>
+            </a:pPr>
+            <a:r>
+              <a:rPr lang="pt-BR">
+                <a:solidFill>
+                  <a:schemeClr val="dk1"/>
+                </a:solidFill>
+              </a:rPr>
+              <a:t>Número e complemento:</a:t>
+            </a:r>
+            <a:endParaRPr b="0" i="0" sz="2800" u="none" cap="none" strike="noStrike">
+              <a:solidFill>
+                <a:schemeClr val="dk1"/>
+              </a:solidFill>
+              <a:latin typeface="Arial"/>
+              <a:ea typeface="Arial"/>
+              <a:cs typeface="Arial"/>
+              <a:sym typeface="Arial"/>
+            </a:endParaRPr>
+          </a:p>
+        </p:txBody>
+      </p:sp>
+      <p:sp>
+        <p:nvSpPr>
+          <p:cNvPr id="169" name="Google Shape;169;g2203d5762e9_0_6"/>
+          <p:cNvSpPr txBox="1"/>
+          <p:nvPr/>
+        </p:nvSpPr>
+        <p:spPr>
+          <a:xfrm>
+            <a:off x="5508000" y="5248388"/>
+            <a:ext cx="821400" cy="424200"/>
+          </a:xfrm>
+          <a:prstGeom prst="rect">
+            <a:avLst/>
+          </a:prstGeom>
+          <a:noFill/>
+          <a:ln>
+            <a:noFill/>
+          </a:ln>
+        </p:spPr>
+        <p:txBody>
+          <a:bodyPr anchorCtr="0" anchor="t" bIns="91425" lIns="91425" spcFirstLastPara="1" rIns="91425" wrap="square" tIns="91425">
+            <a:noAutofit/>
+          </a:bodyPr>
+          <a:lstStyle/>
+          <a:p>
+            <a:pPr indent="0" lvl="0" marL="0" marR="0" rtl="0" algn="l">
+              <a:lnSpc>
+                <a:spcPct val="100000"/>
+              </a:lnSpc>
+              <a:spcBef>
+                <a:spcPts val="0"/>
+              </a:spcBef>
+              <a:spcAft>
+                <a:spcPts val="0"/>
+              </a:spcAft>
+              <a:buClr>
+                <a:srgbClr val="000000"/>
+              </a:buClr>
+              <a:buSzPts val="2800"/>
+              <a:buFont typeface="Arial"/>
+              <a:buNone/>
+            </a:pPr>
+            <a:r>
+              <a:rPr lang="pt-BR">
+                <a:solidFill>
+                  <a:schemeClr val="dk1"/>
+                </a:solidFill>
+              </a:rPr>
+              <a:t>Email:</a:t>
+            </a:r>
+            <a:endParaRPr b="0" i="0" sz="2800" u="none" cap="none" strike="noStrike">
+              <a:solidFill>
+                <a:schemeClr val="dk1"/>
+              </a:solidFill>
+              <a:latin typeface="Arial"/>
+              <a:ea typeface="Arial"/>
+              <a:cs typeface="Arial"/>
+              <a:sym typeface="Arial"/>
+            </a:endParaRPr>
+          </a:p>
+        </p:txBody>
+      </p:sp>
+      <p:sp>
+        <p:nvSpPr>
+          <p:cNvPr id="170" name="Google Shape;170;g2203d5762e9_0_6"/>
+          <p:cNvSpPr txBox="1"/>
+          <p:nvPr/>
+        </p:nvSpPr>
+        <p:spPr>
+          <a:xfrm>
+            <a:off x="5508000" y="5593600"/>
+            <a:ext cx="821400" cy="424200"/>
+          </a:xfrm>
+          <a:prstGeom prst="rect">
+            <a:avLst/>
+          </a:prstGeom>
+          <a:noFill/>
+          <a:ln>
+            <a:noFill/>
+          </a:ln>
+        </p:spPr>
+        <p:txBody>
+          <a:bodyPr anchorCtr="0" anchor="t" bIns="91425" lIns="91425" spcFirstLastPara="1" rIns="91425" wrap="square" tIns="91425">
+            <a:noAutofit/>
+          </a:bodyPr>
+          <a:lstStyle/>
+          <a:p>
+            <a:pPr indent="0" lvl="0" marL="0" marR="0" rtl="0" algn="l">
+              <a:lnSpc>
+                <a:spcPct val="100000"/>
+              </a:lnSpc>
+              <a:spcBef>
+                <a:spcPts val="0"/>
+              </a:spcBef>
+              <a:spcAft>
+                <a:spcPts val="0"/>
+              </a:spcAft>
+              <a:buClr>
+                <a:srgbClr val="000000"/>
+              </a:buClr>
+              <a:buSzPts val="2800"/>
+              <a:buFont typeface="Arial"/>
+              <a:buNone/>
+            </a:pPr>
+            <a:r>
+              <a:rPr lang="pt-BR">
+                <a:solidFill>
+                  <a:schemeClr val="dk1"/>
+                </a:solidFill>
+              </a:rPr>
+              <a:t>Senha</a:t>
+            </a:r>
+            <a:endParaRPr b="0" i="0" sz="2800" u="none" cap="none" strike="noStrike">
+              <a:solidFill>
+                <a:schemeClr val="dk1"/>
+              </a:solidFill>
+              <a:latin typeface="Arial"/>
+              <a:ea typeface="Arial"/>
+              <a:cs typeface="Arial"/>
+              <a:sym typeface="Arial"/>
+            </a:endParaRPr>
+          </a:p>
+        </p:txBody>
+      </p:sp>
+      <p:sp>
+        <p:nvSpPr>
+          <p:cNvPr id="171" name="Google Shape;171;g2203d5762e9_0_6"/>
+          <p:cNvSpPr txBox="1"/>
+          <p:nvPr/>
+        </p:nvSpPr>
+        <p:spPr>
+          <a:xfrm>
+            <a:off x="6554100" y="6017800"/>
+            <a:ext cx="1218600" cy="277800"/>
+          </a:xfrm>
+          <a:prstGeom prst="rect">
+            <a:avLst/>
+          </a:prstGeom>
+          <a:noFill/>
+          <a:ln>
+            <a:noFill/>
+          </a:ln>
+        </p:spPr>
+        <p:txBody>
+          <a:bodyPr anchorCtr="0" anchor="t" bIns="91425" lIns="91425" spcFirstLastPara="1" rIns="91425" wrap="square" tIns="91425">
+            <a:noAutofit/>
+          </a:bodyPr>
+          <a:lstStyle/>
+          <a:p>
+            <a:pPr indent="0" lvl="0" marL="0" rtl="0" algn="l">
+              <a:spcBef>
+                <a:spcPts val="0"/>
+              </a:spcBef>
+              <a:spcAft>
+                <a:spcPts val="0"/>
+              </a:spcAft>
+              <a:buNone/>
+            </a:pPr>
+            <a:r>
+              <a:rPr lang="pt-BR">
+                <a:solidFill>
+                  <a:schemeClr val="accent5"/>
+                </a:solidFill>
+              </a:rPr>
+              <a:t>Login</a:t>
+            </a:r>
+            <a:endParaRPr>
+              <a:solidFill>
+                <a:schemeClr val="accent5"/>
+              </a:solidFill>
+            </a:endParaRPr>
+          </a:p>
+        </p:txBody>
+      </p:sp>
+    </p:spTree>
+  </p:cSld>
+  <p:clrMapOvr>
+    <a:masterClrMapping/>
+  </p:clrMapOvr>
+</p:sld>
+</file>
+
+<file path=ppt/slides/slide4.xml><?xml version="1.0" encoding="utf-8"?>
+<p:sld xmlns:a="http://schemas.openxmlformats.org/drawingml/2006/main" xmlns:r="http://schemas.openxmlformats.org/officeDocument/2006/relationships" xmlns:mc="http://schemas.openxmlformats.org/markup-compatibility/2006" xmlns:mv="urn:schemas-microsoft-com:mac:vml" xmlns:p="http://schemas.openxmlformats.org/presentationml/2006/main" xmlns:c="http://schemas.openxmlformats.org/drawingml/2006/chart" xmlns:dgm="http://schemas.openxmlformats.org/drawingml/2006/diagram" xmlns:o="urn:schemas-microsoft-com:office:office" xmlns:v="urn:schemas-microsoft-com:vml" xmlns:pvml="urn:schemas-microsoft-com:office:powerpoint" xmlns:com="http://schemas.openxmlformats.org/drawingml/2006/compatibility" xmlns:p14="http://schemas.microsoft.com/office/powerpoint/2010/main" xmlns:p15="http://schemas.microsoft.com/office/powerpoint/2012/main" xmlns:ahyp="http://schemas.microsoft.com/office/drawing/2018/hyperlinkcolor">
+  <p:cSld>
+    <p:spTree>
+      <p:nvGrpSpPr>
+        <p:cNvPr id="176" name="Shape 176"/>
+        <p:cNvGrpSpPr/>
+        <p:nvPr/>
+      </p:nvGrpSpPr>
+      <p:grpSpPr>
+        <a:xfrm>
+          <a:off x="0" y="0"/>
+          <a:ext cx="0" cy="0"/>
+          <a:chOff x="0" y="0"/>
+          <a:chExt cx="0" cy="0"/>
+        </a:xfrm>
+      </p:grpSpPr>
+      <p:sp>
+        <p:nvSpPr>
+          <p:cNvPr id="177" name="Google Shape;177;g2fae720cda7_0_6"/>
           <p:cNvSpPr txBox="1"/>
           <p:nvPr/>
         </p:nvSpPr>
@@ -19997,7 +20877,7 @@
       </p:sp>
       <p:sp>
         <p:nvSpPr>
-          <p:cNvPr id="160" name="Google Shape;160;g2fae720cda7_0_6"/>
+          <p:cNvPr id="178" name="Google Shape;178;g2fae720cda7_0_6"/>
           <p:cNvSpPr/>
           <p:nvPr/>
         </p:nvSpPr>
@@ -20046,7 +20926,7 @@
       </p:sp>
       <p:sp>
         <p:nvSpPr>
-          <p:cNvPr id="161" name="Google Shape;161;g2fae720cda7_0_6"/>
+          <p:cNvPr id="179" name="Google Shape;179;g2fae720cda7_0_6"/>
           <p:cNvSpPr txBox="1"/>
           <p:nvPr/>
         </p:nvSpPr>
@@ -20091,7 +20971,7 @@
       </p:sp>
       <p:sp>
         <p:nvSpPr>
-          <p:cNvPr id="162" name="Google Shape;162;g2fae720cda7_0_6"/>
+          <p:cNvPr id="180" name="Google Shape;180;g2fae720cda7_0_6"/>
           <p:cNvSpPr txBox="1"/>
           <p:nvPr/>
         </p:nvSpPr>
@@ -20141,7 +21021,7 @@
       </p:sp>
       <p:sp>
         <p:nvSpPr>
-          <p:cNvPr id="163" name="Google Shape;163;g2fae720cda7_0_6"/>
+          <p:cNvPr id="181" name="Google Shape;181;g2fae720cda7_0_6"/>
           <p:cNvSpPr txBox="1"/>
           <p:nvPr/>
         </p:nvSpPr>
@@ -20191,7 +21071,7 @@
       </p:sp>
       <p:sp>
         <p:nvSpPr>
-          <p:cNvPr id="164" name="Google Shape;164;g2fae720cda7_0_6"/>
+          <p:cNvPr id="182" name="Google Shape;182;g2fae720cda7_0_6"/>
           <p:cNvSpPr txBox="1"/>
           <p:nvPr/>
         </p:nvSpPr>
@@ -20241,7 +21121,7 @@
       </p:sp>
       <p:sp>
         <p:nvSpPr>
-          <p:cNvPr id="165" name="Google Shape;165;g2fae720cda7_0_6"/>
+          <p:cNvPr id="183" name="Google Shape;183;g2fae720cda7_0_6"/>
           <p:cNvSpPr txBox="1"/>
           <p:nvPr/>
         </p:nvSpPr>
@@ -20299,10 +21179,10 @@
       </p:sp>
       <p:cxnSp>
         <p:nvCxnSpPr>
-          <p:cNvPr id="166" name="Google Shape;166;g2fae720cda7_0_6"/>
+          <p:cNvPr id="184" name="Google Shape;184;g2fae720cda7_0_6"/>
           <p:cNvCxnSpPr>
-            <a:stCxn id="165" idx="3"/>
-            <a:endCxn id="160" idx="1"/>
+            <a:stCxn id="183" idx="3"/>
+            <a:endCxn id="178" idx="1"/>
           </p:cNvCxnSpPr>
           <p:nvPr/>
         </p:nvCxnSpPr>
@@ -20328,7 +21208,7 @@
       </p:cxnSp>
       <p:sp>
         <p:nvSpPr>
-          <p:cNvPr id="167" name="Google Shape;167;g2fae720cda7_0_6"/>
+          <p:cNvPr id="185" name="Google Shape;185;g2fae720cda7_0_6"/>
           <p:cNvSpPr txBox="1"/>
           <p:nvPr/>
         </p:nvSpPr>
@@ -20378,7 +21258,7 @@
       </p:sp>
       <p:sp>
         <p:nvSpPr>
-          <p:cNvPr id="168" name="Google Shape;168;g2fae720cda7_0_6"/>
+          <p:cNvPr id="186" name="Google Shape;186;g2fae720cda7_0_6"/>
           <p:cNvSpPr txBox="1"/>
           <p:nvPr/>
         </p:nvSpPr>
@@ -20428,7 +21308,7 @@
       </p:sp>
       <p:sp>
         <p:nvSpPr>
-          <p:cNvPr id="169" name="Google Shape;169;g2fae720cda7_0_6"/>
+          <p:cNvPr id="187" name="Google Shape;187;g2fae720cda7_0_6"/>
           <p:cNvSpPr txBox="1"/>
           <p:nvPr/>
         </p:nvSpPr>
@@ -20478,7 +21358,7 @@
       </p:sp>
       <p:sp>
         <p:nvSpPr>
-          <p:cNvPr id="170" name="Google Shape;170;g2fae720cda7_0_6"/>
+          <p:cNvPr id="188" name="Google Shape;188;g2fae720cda7_0_6"/>
           <p:cNvSpPr txBox="1"/>
           <p:nvPr/>
         </p:nvSpPr>
@@ -20528,7 +21408,7 @@
       </p:sp>
       <p:sp>
         <p:nvSpPr>
-          <p:cNvPr id="171" name="Google Shape;171;g2fae720cda7_0_6"/>
+          <p:cNvPr id="189" name="Google Shape;189;g2fae720cda7_0_6"/>
           <p:cNvSpPr txBox="1"/>
           <p:nvPr/>
         </p:nvSpPr>
@@ -20578,7 +21458,7 @@
       </p:sp>
       <p:sp>
         <p:nvSpPr>
-          <p:cNvPr id="172" name="Google Shape;172;g2fae720cda7_0_6"/>
+          <p:cNvPr id="190" name="Google Shape;190;g2fae720cda7_0_6"/>
           <p:cNvSpPr txBox="1"/>
           <p:nvPr/>
         </p:nvSpPr>
@@ -20628,7 +21508,7 @@
       </p:sp>
       <p:sp>
         <p:nvSpPr>
-          <p:cNvPr id="173" name="Google Shape;173;g2fae720cda7_0_6"/>
+          <p:cNvPr id="191" name="Google Shape;191;g2fae720cda7_0_6"/>
           <p:cNvSpPr txBox="1"/>
           <p:nvPr/>
         </p:nvSpPr>
@@ -20678,7 +21558,7 @@
       </p:sp>
       <p:sp>
         <p:nvSpPr>
-          <p:cNvPr id="174" name="Google Shape;174;g2fae720cda7_0_6"/>
+          <p:cNvPr id="192" name="Google Shape;192;g2fae720cda7_0_6"/>
           <p:cNvSpPr/>
           <p:nvPr/>
         </p:nvSpPr>
@@ -20729,7 +21609,7 @@
       </p:sp>
       <p:sp>
         <p:nvSpPr>
-          <p:cNvPr id="175" name="Google Shape;175;g2fae720cda7_0_6"/>
+          <p:cNvPr id="193" name="Google Shape;193;g2fae720cda7_0_6"/>
           <p:cNvSpPr txBox="1"/>
           <p:nvPr/>
         </p:nvSpPr>
@@ -20774,7 +21654,7 @@
       </p:sp>
       <p:cxnSp>
         <p:nvCxnSpPr>
-          <p:cNvPr id="176" name="Google Shape;176;g2fae720cda7_0_6"/>
+          <p:cNvPr id="194" name="Google Shape;194;g2fae720cda7_0_6"/>
           <p:cNvCxnSpPr/>
           <p:nvPr/>
         </p:nvCxnSpPr>
@@ -20800,7 +21680,7 @@
       </p:cxnSp>
       <p:sp>
         <p:nvSpPr>
-          <p:cNvPr id="177" name="Google Shape;177;g2fae720cda7_0_6"/>
+          <p:cNvPr id="195" name="Google Shape;195;g2fae720cda7_0_6"/>
           <p:cNvSpPr txBox="1"/>
           <p:nvPr/>
         </p:nvSpPr>
@@ -20850,7 +21730,7 @@
       </p:sp>
       <p:sp>
         <p:nvSpPr>
-          <p:cNvPr id="178" name="Google Shape;178;g2fae720cda7_0_6"/>
+          <p:cNvPr id="196" name="Google Shape;196;g2fae720cda7_0_6"/>
           <p:cNvSpPr/>
           <p:nvPr/>
         </p:nvSpPr>
@@ -20899,7 +21779,7 @@
       </p:sp>
       <p:cxnSp>
         <p:nvCxnSpPr>
-          <p:cNvPr id="179" name="Google Shape;179;g2fae720cda7_0_6"/>
+          <p:cNvPr id="197" name="Google Shape;197;g2fae720cda7_0_6"/>
           <p:cNvCxnSpPr/>
           <p:nvPr/>
         </p:nvCxnSpPr>
@@ -20925,7 +21805,7 @@
       </p:cxnSp>
       <p:sp>
         <p:nvSpPr>
-          <p:cNvPr id="180" name="Google Shape;180;g2fae720cda7_0_6"/>
+          <p:cNvPr id="198" name="Google Shape;198;g2fae720cda7_0_6"/>
           <p:cNvSpPr txBox="1"/>
           <p:nvPr/>
         </p:nvSpPr>
@@ -20975,7 +21855,7 @@
       </p:sp>
       <p:sp>
         <p:nvSpPr>
-          <p:cNvPr id="181" name="Google Shape;181;g2fae720cda7_0_6"/>
+          <p:cNvPr id="199" name="Google Shape;199;g2fae720cda7_0_6"/>
           <p:cNvSpPr txBox="1"/>
           <p:nvPr/>
         </p:nvSpPr>
@@ -21025,9 +21905,9 @@
       </p:sp>
       <p:cxnSp>
         <p:nvCxnSpPr>
-          <p:cNvPr id="182" name="Google Shape;182;g2fae720cda7_0_6"/>
+          <p:cNvPr id="200" name="Google Shape;200;g2fae720cda7_0_6"/>
           <p:cNvCxnSpPr>
-            <a:stCxn id="178" idx="3"/>
+            <a:stCxn id="196" idx="3"/>
           </p:cNvCxnSpPr>
           <p:nvPr/>
         </p:nvCxnSpPr>
@@ -21053,7 +21933,7 @@
       </p:cxnSp>
       <p:sp>
         <p:nvSpPr>
-          <p:cNvPr id="183" name="Google Shape;183;g2fae720cda7_0_6"/>
+          <p:cNvPr id="201" name="Google Shape;201;g2fae720cda7_0_6"/>
           <p:cNvSpPr txBox="1"/>
           <p:nvPr/>
         </p:nvSpPr>
@@ -21098,7 +21978,7 @@
       </p:sp>
       <p:sp>
         <p:nvSpPr>
-          <p:cNvPr id="184" name="Google Shape;184;g2fae720cda7_0_6"/>
+          <p:cNvPr id="202" name="Google Shape;202;g2fae720cda7_0_6"/>
           <p:cNvSpPr txBox="1"/>
           <p:nvPr/>
         </p:nvSpPr>
@@ -21164,7 +22044,7 @@
       </p:sp>
       <p:sp>
         <p:nvSpPr>
-          <p:cNvPr id="185" name="Google Shape;185;g2fae720cda7_0_6"/>
+          <p:cNvPr id="203" name="Google Shape;203;g2fae720cda7_0_6"/>
           <p:cNvSpPr txBox="1"/>
           <p:nvPr/>
         </p:nvSpPr>
@@ -21197,7 +22077,12 @@
               <a:buNone/>
             </a:pPr>
             <a:r>
-              <a:t/>
+              <a:rPr lang="pt-BR" sz="2800">
+                <a:solidFill>
+                  <a:schemeClr val="dk1"/>
+                </a:solidFill>
+              </a:rPr>
+              <a:t>Meu perfil</a:t>
             </a:r>
             <a:endParaRPr sz="2800">
               <a:solidFill>
@@ -21215,12 +22100,12 @@
 </p:sld>
 </file>
 
-<file path=ppt/slides/slide4.xml><?xml version="1.0" encoding="utf-8"?>
+<file path=ppt/slides/slide5.xml><?xml version="1.0" encoding="utf-8"?>
 <p:sld xmlns:a="http://schemas.openxmlformats.org/drawingml/2006/main" xmlns:r="http://schemas.openxmlformats.org/officeDocument/2006/relationships" xmlns:mc="http://schemas.openxmlformats.org/markup-compatibility/2006" xmlns:mv="urn:schemas-microsoft-com:mac:vml" xmlns:p="http://schemas.openxmlformats.org/presentationml/2006/main" xmlns:c="http://schemas.openxmlformats.org/drawingml/2006/chart" xmlns:dgm="http://schemas.openxmlformats.org/drawingml/2006/diagram" xmlns:o="urn:schemas-microsoft-com:office:office" xmlns:v="urn:schemas-microsoft-com:vml" xmlns:pvml="urn:schemas-microsoft-com:office:powerpoint" xmlns:com="http://schemas.openxmlformats.org/drawingml/2006/compatibility" xmlns:p14="http://schemas.microsoft.com/office/powerpoint/2010/main" xmlns:p15="http://schemas.microsoft.com/office/powerpoint/2012/main" xmlns:ahyp="http://schemas.microsoft.com/office/drawing/2018/hyperlinkcolor">
   <p:cSld>
     <p:spTree>
       <p:nvGrpSpPr>
-        <p:cNvPr id="190" name="Shape 190"/>
+        <p:cNvPr id="207" name="Shape 207"/>
         <p:cNvGrpSpPr/>
         <p:nvPr/>
       </p:nvGrpSpPr>
@@ -21234,503 +22119,7 @@
       </p:grpSpPr>
       <p:sp>
         <p:nvSpPr>
-          <p:cNvPr id="191" name="Google Shape;191;g2203d5762e9_0_6"/>
-          <p:cNvSpPr txBox="1"/>
-          <p:nvPr/>
-        </p:nvSpPr>
-        <p:spPr>
-          <a:xfrm>
-            <a:off x="262750" y="466400"/>
-            <a:ext cx="1753800" cy="965700"/>
-          </a:xfrm>
-          <a:prstGeom prst="rect">
-            <a:avLst/>
-          </a:prstGeom>
-          <a:noFill/>
-          <a:ln>
-            <a:noFill/>
-          </a:ln>
-        </p:spPr>
-        <p:txBody>
-          <a:bodyPr anchorCtr="0" anchor="t" bIns="91425" lIns="91425" spcFirstLastPara="1" rIns="91425" wrap="square" tIns="91425">
-            <a:noAutofit/>
-          </a:bodyPr>
-          <a:lstStyle/>
-          <a:p>
-            <a:pPr indent="0" lvl="0" marL="0" marR="0" rtl="0" algn="l">
-              <a:lnSpc>
-                <a:spcPct val="100000"/>
-              </a:lnSpc>
-              <a:spcBef>
-                <a:spcPts val="0"/>
-              </a:spcBef>
-              <a:spcAft>
-                <a:spcPts val="0"/>
-              </a:spcAft>
-              <a:buClr>
-                <a:srgbClr val="000000"/>
-              </a:buClr>
-              <a:buSzPts val="2800"/>
-              <a:buFont typeface="Arial"/>
-              <a:buNone/>
-            </a:pPr>
-            <a:r>
-              <a:rPr b="0" i="0" lang="pt-BR" sz="2800" u="none" cap="none" strike="noStrike">
-                <a:solidFill>
-                  <a:schemeClr val="dk1"/>
-                </a:solidFill>
-                <a:latin typeface="Arial"/>
-                <a:ea typeface="Arial"/>
-                <a:cs typeface="Arial"/>
-                <a:sym typeface="Arial"/>
-              </a:rPr>
-              <a:t>Página de </a:t>
-            </a:r>
-            <a:r>
-              <a:rPr lang="pt-BR" sz="2800">
-                <a:solidFill>
-                  <a:schemeClr val="dk1"/>
-                </a:solidFill>
-              </a:rPr>
-              <a:t>registro</a:t>
-            </a:r>
-            <a:endParaRPr b="0" i="0" sz="2800" u="none" cap="none" strike="noStrike">
-              <a:solidFill>
-                <a:schemeClr val="dk1"/>
-              </a:solidFill>
-              <a:latin typeface="Arial"/>
-              <a:ea typeface="Arial"/>
-              <a:cs typeface="Arial"/>
-              <a:sym typeface="Arial"/>
-            </a:endParaRPr>
-          </a:p>
-        </p:txBody>
-      </p:sp>
-      <p:sp>
-        <p:nvSpPr>
-          <p:cNvPr id="192" name="Google Shape;192;g2203d5762e9_0_6"/>
-          <p:cNvSpPr/>
-          <p:nvPr/>
-        </p:nvSpPr>
-        <p:spPr>
-          <a:xfrm>
-            <a:off x="4884000" y="959100"/>
-            <a:ext cx="3882300" cy="5898900"/>
-          </a:xfrm>
-          <a:prstGeom prst="roundRect">
-            <a:avLst>
-              <a:gd fmla="val 16667" name="adj"/>
-            </a:avLst>
-          </a:prstGeom>
-          <a:solidFill>
-            <a:schemeClr val="accent1"/>
-          </a:solidFill>
-          <a:ln cap="flat" cmpd="sng" w="9525">
-            <a:solidFill>
-              <a:schemeClr val="dk2"/>
-            </a:solidFill>
-            <a:prstDash val="solid"/>
-            <a:round/>
-            <a:headEnd len="sm" w="sm" type="none"/>
-            <a:tailEnd len="sm" w="sm" type="none"/>
-          </a:ln>
-        </p:spPr>
-        <p:txBody>
-          <a:bodyPr anchorCtr="0" anchor="ctr" bIns="91425" lIns="91425" spcFirstLastPara="1" rIns="91425" wrap="square" tIns="91425">
-            <a:noAutofit/>
-          </a:bodyPr>
-          <a:lstStyle/>
-          <a:p>
-            <a:pPr indent="0" lvl="0" marL="0" marR="0" rtl="0" algn="ctr">
-              <a:lnSpc>
-                <a:spcPct val="100000"/>
-              </a:lnSpc>
-              <a:spcBef>
-                <a:spcPts val="0"/>
-              </a:spcBef>
-              <a:spcAft>
-                <a:spcPts val="0"/>
-              </a:spcAft>
-              <a:buClr>
-                <a:srgbClr val="000000"/>
-              </a:buClr>
-              <a:buSzPts val="1400"/>
-              <a:buFont typeface="Arial"/>
-              <a:buNone/>
-            </a:pPr>
-            <a:r>
-              <a:t/>
-            </a:r>
-            <a:endParaRPr b="0" i="0" sz="1400" u="none" cap="none" strike="noStrike">
-              <a:solidFill>
-                <a:srgbClr val="000000"/>
-              </a:solidFill>
-              <a:latin typeface="Arial"/>
-              <a:ea typeface="Arial"/>
-              <a:cs typeface="Arial"/>
-              <a:sym typeface="Arial"/>
-            </a:endParaRPr>
-          </a:p>
-        </p:txBody>
-      </p:sp>
-      <p:sp>
-        <p:nvSpPr>
-          <p:cNvPr id="193" name="Google Shape;193;g2203d5762e9_0_6"/>
-          <p:cNvSpPr txBox="1"/>
-          <p:nvPr/>
-        </p:nvSpPr>
-        <p:spPr>
-          <a:xfrm>
-            <a:off x="5366850" y="1609400"/>
-            <a:ext cx="1576500" cy="788400"/>
-          </a:xfrm>
-          <a:prstGeom prst="rect">
-            <a:avLst/>
-          </a:prstGeom>
-          <a:noFill/>
-          <a:ln>
-            <a:noFill/>
-          </a:ln>
-        </p:spPr>
-        <p:txBody>
-          <a:bodyPr anchorCtr="0" anchor="t" bIns="91425" lIns="91425" spcFirstLastPara="1" rIns="91425" wrap="square" tIns="91425">
-            <a:noAutofit/>
-          </a:bodyPr>
-          <a:lstStyle/>
-          <a:p>
-            <a:pPr indent="0" lvl="0" marL="0" marR="0" rtl="0" algn="l">
-              <a:lnSpc>
-                <a:spcPct val="100000"/>
-              </a:lnSpc>
-              <a:spcBef>
-                <a:spcPts val="0"/>
-              </a:spcBef>
-              <a:spcAft>
-                <a:spcPts val="0"/>
-              </a:spcAft>
-              <a:buClr>
-                <a:srgbClr val="000000"/>
-              </a:buClr>
-              <a:buSzPts val="2800"/>
-              <a:buFont typeface="Arial"/>
-              <a:buNone/>
-            </a:pPr>
-            <a:r>
-              <a:rPr b="0" i="0" lang="pt-BR" sz="2800" u="none" cap="none" strike="noStrike">
-                <a:solidFill>
-                  <a:schemeClr val="dk1"/>
-                </a:solidFill>
-                <a:latin typeface="Arial"/>
-                <a:ea typeface="Arial"/>
-                <a:cs typeface="Arial"/>
-                <a:sym typeface="Arial"/>
-              </a:rPr>
-              <a:t>Nome:</a:t>
-            </a:r>
-            <a:endParaRPr b="0" i="0" sz="2800" u="none" cap="none" strike="noStrike">
-              <a:solidFill>
-                <a:schemeClr val="dk1"/>
-              </a:solidFill>
-              <a:latin typeface="Arial"/>
-              <a:ea typeface="Arial"/>
-              <a:cs typeface="Arial"/>
-              <a:sym typeface="Arial"/>
-            </a:endParaRPr>
-          </a:p>
-        </p:txBody>
-      </p:sp>
-      <p:sp>
-        <p:nvSpPr>
-          <p:cNvPr id="194" name="Google Shape;194;g2203d5762e9_0_6"/>
-          <p:cNvSpPr txBox="1"/>
-          <p:nvPr/>
-        </p:nvSpPr>
-        <p:spPr>
-          <a:xfrm>
-            <a:off x="5366850" y="2397800"/>
-            <a:ext cx="2916600" cy="788400"/>
-          </a:xfrm>
-          <a:prstGeom prst="rect">
-            <a:avLst/>
-          </a:prstGeom>
-          <a:noFill/>
-          <a:ln>
-            <a:noFill/>
-          </a:ln>
-        </p:spPr>
-        <p:txBody>
-          <a:bodyPr anchorCtr="0" anchor="t" bIns="91425" lIns="91425" spcFirstLastPara="1" rIns="91425" wrap="square" tIns="91425">
-            <a:noAutofit/>
-          </a:bodyPr>
-          <a:lstStyle/>
-          <a:p>
-            <a:pPr indent="0" lvl="0" marL="0" marR="0" rtl="0" algn="l">
-              <a:lnSpc>
-                <a:spcPct val="100000"/>
-              </a:lnSpc>
-              <a:spcBef>
-                <a:spcPts val="0"/>
-              </a:spcBef>
-              <a:spcAft>
-                <a:spcPts val="0"/>
-              </a:spcAft>
-              <a:buClr>
-                <a:srgbClr val="000000"/>
-              </a:buClr>
-              <a:buSzPts val="2800"/>
-              <a:buFont typeface="Arial"/>
-              <a:buNone/>
-            </a:pPr>
-            <a:r>
-              <a:rPr b="0" i="0" lang="pt-BR" sz="2800" u="none" cap="none" strike="noStrike">
-                <a:solidFill>
-                  <a:schemeClr val="dk1"/>
-                </a:solidFill>
-                <a:latin typeface="Arial"/>
-                <a:ea typeface="Arial"/>
-                <a:cs typeface="Arial"/>
-                <a:sym typeface="Arial"/>
-              </a:rPr>
-              <a:t>Sobrenome:</a:t>
-            </a:r>
-            <a:endParaRPr b="0" i="0" sz="2800" u="none" cap="none" strike="noStrike">
-              <a:solidFill>
-                <a:schemeClr val="dk1"/>
-              </a:solidFill>
-              <a:latin typeface="Arial"/>
-              <a:ea typeface="Arial"/>
-              <a:cs typeface="Arial"/>
-              <a:sym typeface="Arial"/>
-            </a:endParaRPr>
-          </a:p>
-        </p:txBody>
-      </p:sp>
-      <p:sp>
-        <p:nvSpPr>
-          <p:cNvPr id="195" name="Google Shape;195;g2203d5762e9_0_6"/>
-          <p:cNvSpPr txBox="1"/>
-          <p:nvPr/>
-        </p:nvSpPr>
-        <p:spPr>
-          <a:xfrm>
-            <a:off x="5366850" y="3034800"/>
-            <a:ext cx="1576500" cy="788400"/>
-          </a:xfrm>
-          <a:prstGeom prst="rect">
-            <a:avLst/>
-          </a:prstGeom>
-          <a:noFill/>
-          <a:ln>
-            <a:noFill/>
-          </a:ln>
-        </p:spPr>
-        <p:txBody>
-          <a:bodyPr anchorCtr="0" anchor="t" bIns="91425" lIns="91425" spcFirstLastPara="1" rIns="91425" wrap="square" tIns="91425">
-            <a:noAutofit/>
-          </a:bodyPr>
-          <a:lstStyle/>
-          <a:p>
-            <a:pPr indent="0" lvl="0" marL="0" marR="0" rtl="0" algn="l">
-              <a:lnSpc>
-                <a:spcPct val="100000"/>
-              </a:lnSpc>
-              <a:spcBef>
-                <a:spcPts val="0"/>
-              </a:spcBef>
-              <a:spcAft>
-                <a:spcPts val="0"/>
-              </a:spcAft>
-              <a:buClr>
-                <a:srgbClr val="000000"/>
-              </a:buClr>
-              <a:buSzPts val="2800"/>
-              <a:buFont typeface="Arial"/>
-              <a:buNone/>
-            </a:pPr>
-            <a:r>
-              <a:rPr b="0" i="0" lang="pt-BR" sz="2800" u="none" cap="none" strike="noStrike">
-                <a:solidFill>
-                  <a:schemeClr val="dk1"/>
-                </a:solidFill>
-                <a:latin typeface="Arial"/>
-                <a:ea typeface="Arial"/>
-                <a:cs typeface="Arial"/>
-                <a:sym typeface="Arial"/>
-              </a:rPr>
-              <a:t>Email:</a:t>
-            </a:r>
-            <a:endParaRPr b="0" i="0" sz="2800" u="none" cap="none" strike="noStrike">
-              <a:solidFill>
-                <a:schemeClr val="dk1"/>
-              </a:solidFill>
-              <a:latin typeface="Arial"/>
-              <a:ea typeface="Arial"/>
-              <a:cs typeface="Arial"/>
-              <a:sym typeface="Arial"/>
-            </a:endParaRPr>
-          </a:p>
-        </p:txBody>
-      </p:sp>
-      <p:sp>
-        <p:nvSpPr>
-          <p:cNvPr id="196" name="Google Shape;196;g2203d5762e9_0_6"/>
-          <p:cNvSpPr txBox="1"/>
-          <p:nvPr/>
-        </p:nvSpPr>
-        <p:spPr>
-          <a:xfrm>
-            <a:off x="5465375" y="3875700"/>
-            <a:ext cx="1576500" cy="571500"/>
-          </a:xfrm>
-          <a:prstGeom prst="rect">
-            <a:avLst/>
-          </a:prstGeom>
-          <a:noFill/>
-          <a:ln>
-            <a:noFill/>
-          </a:ln>
-        </p:spPr>
-        <p:txBody>
-          <a:bodyPr anchorCtr="0" anchor="t" bIns="91425" lIns="91425" spcFirstLastPara="1" rIns="91425" wrap="square" tIns="91425">
-            <a:noAutofit/>
-          </a:bodyPr>
-          <a:lstStyle/>
-          <a:p>
-            <a:pPr indent="0" lvl="0" marL="0" marR="0" rtl="0" algn="l">
-              <a:lnSpc>
-                <a:spcPct val="100000"/>
-              </a:lnSpc>
-              <a:spcBef>
-                <a:spcPts val="0"/>
-              </a:spcBef>
-              <a:spcAft>
-                <a:spcPts val="0"/>
-              </a:spcAft>
-              <a:buClr>
-                <a:srgbClr val="000000"/>
-              </a:buClr>
-              <a:buSzPts val="2800"/>
-              <a:buFont typeface="Arial"/>
-              <a:buNone/>
-            </a:pPr>
-            <a:r>
-              <a:rPr b="0" i="0" lang="pt-BR" sz="2800" u="none" cap="none" strike="noStrike">
-                <a:solidFill>
-                  <a:schemeClr val="dk1"/>
-                </a:solidFill>
-                <a:latin typeface="Arial"/>
-                <a:ea typeface="Arial"/>
-                <a:cs typeface="Arial"/>
-                <a:sym typeface="Arial"/>
-              </a:rPr>
-              <a:t>Senha:</a:t>
-            </a:r>
-            <a:endParaRPr b="0" i="0" sz="2800" u="none" cap="none" strike="noStrike">
-              <a:solidFill>
-                <a:schemeClr val="dk1"/>
-              </a:solidFill>
-              <a:latin typeface="Arial"/>
-              <a:ea typeface="Arial"/>
-              <a:cs typeface="Arial"/>
-              <a:sym typeface="Arial"/>
-            </a:endParaRPr>
-          </a:p>
-        </p:txBody>
-      </p:sp>
-      <p:sp>
-        <p:nvSpPr>
-          <p:cNvPr id="197" name="Google Shape;197;g2203d5762e9_0_6"/>
-          <p:cNvSpPr txBox="1"/>
-          <p:nvPr/>
-        </p:nvSpPr>
-        <p:spPr>
-          <a:xfrm>
-            <a:off x="5529425" y="4762525"/>
-            <a:ext cx="2556900" cy="571500"/>
-          </a:xfrm>
-          <a:prstGeom prst="rect">
-            <a:avLst/>
-          </a:prstGeom>
-          <a:noFill/>
-          <a:ln>
-            <a:noFill/>
-          </a:ln>
-        </p:spPr>
-        <p:txBody>
-          <a:bodyPr anchorCtr="0" anchor="t" bIns="91425" lIns="91425" spcFirstLastPara="1" rIns="91425" wrap="square" tIns="91425">
-            <a:noAutofit/>
-          </a:bodyPr>
-          <a:lstStyle/>
-          <a:p>
-            <a:pPr indent="0" lvl="0" marL="0" marR="0" rtl="0" algn="l">
-              <a:lnSpc>
-                <a:spcPct val="100000"/>
-              </a:lnSpc>
-              <a:spcBef>
-                <a:spcPts val="0"/>
-              </a:spcBef>
-              <a:spcAft>
-                <a:spcPts val="0"/>
-              </a:spcAft>
-              <a:buClr>
-                <a:srgbClr val="000000"/>
-              </a:buClr>
-              <a:buSzPts val="2800"/>
-              <a:buFont typeface="Arial"/>
-              <a:buNone/>
-            </a:pPr>
-            <a:r>
-              <a:rPr b="0" i="0" lang="pt-BR" sz="2800" u="none" cap="none" strike="noStrike">
-                <a:solidFill>
-                  <a:schemeClr val="dk1"/>
-                </a:solidFill>
-                <a:latin typeface="Arial"/>
-                <a:ea typeface="Arial"/>
-                <a:cs typeface="Arial"/>
-                <a:sym typeface="Arial"/>
-              </a:rPr>
-              <a:t>Confirmar senha:</a:t>
-            </a:r>
-            <a:endParaRPr b="0" i="0" sz="2800" u="none" cap="none" strike="noStrike">
-              <a:solidFill>
-                <a:schemeClr val="dk1"/>
-              </a:solidFill>
-              <a:latin typeface="Arial"/>
-              <a:ea typeface="Arial"/>
-              <a:cs typeface="Arial"/>
-              <a:sym typeface="Arial"/>
-            </a:endParaRPr>
-          </a:p>
-        </p:txBody>
-      </p:sp>
-    </p:spTree>
-  </p:cSld>
-  <p:clrMapOvr>
-    <a:masterClrMapping/>
-  </p:clrMapOvr>
-</p:sld>
-</file>
-
-<file path=ppt/slides/slide5.xml><?xml version="1.0" encoding="utf-8"?>
-<p:sld xmlns:a="http://schemas.openxmlformats.org/drawingml/2006/main" xmlns:r="http://schemas.openxmlformats.org/officeDocument/2006/relationships" xmlns:mc="http://schemas.openxmlformats.org/markup-compatibility/2006" xmlns:mv="urn:schemas-microsoft-com:mac:vml" xmlns:p="http://schemas.openxmlformats.org/presentationml/2006/main" xmlns:c="http://schemas.openxmlformats.org/drawingml/2006/chart" xmlns:dgm="http://schemas.openxmlformats.org/drawingml/2006/diagram" xmlns:o="urn:schemas-microsoft-com:office:office" xmlns:v="urn:schemas-microsoft-com:vml" xmlns:pvml="urn:schemas-microsoft-com:office:powerpoint" xmlns:com="http://schemas.openxmlformats.org/drawingml/2006/compatibility" xmlns:p14="http://schemas.microsoft.com/office/powerpoint/2010/main" xmlns:p15="http://schemas.microsoft.com/office/powerpoint/2012/main" xmlns:ahyp="http://schemas.microsoft.com/office/drawing/2018/hyperlinkcolor">
-  <p:cSld>
-    <p:spTree>
-      <p:nvGrpSpPr>
-        <p:cNvPr id="201" name="Shape 201"/>
-        <p:cNvGrpSpPr/>
-        <p:nvPr/>
-      </p:nvGrpSpPr>
-      <p:grpSpPr>
-        <a:xfrm>
-          <a:off x="0" y="0"/>
-          <a:ext cx="0" cy="0"/>
-          <a:chOff x="0" y="0"/>
-          <a:chExt cx="0" cy="0"/>
-        </a:xfrm>
-      </p:grpSpPr>
-      <p:sp>
-        <p:nvSpPr>
-          <p:cNvPr id="202" name="Google Shape;202;p2"/>
+          <p:cNvPr id="208" name="Google Shape;208;p2"/>
           <p:cNvSpPr txBox="1"/>
           <p:nvPr/>
         </p:nvSpPr>
@@ -21796,7 +22185,7 @@
       </p:sp>
       <p:sp>
         <p:nvSpPr>
-          <p:cNvPr id="203" name="Google Shape;203;p2"/>
+          <p:cNvPr id="209" name="Google Shape;209;p2"/>
           <p:cNvSpPr/>
           <p:nvPr/>
         </p:nvSpPr>
@@ -21861,7 +22250,7 @@
       </p:sp>
       <p:sp>
         <p:nvSpPr>
-          <p:cNvPr id="204" name="Google Shape;204;p2"/>
+          <p:cNvPr id="210" name="Google Shape;210;p2"/>
           <p:cNvSpPr txBox="1"/>
           <p:nvPr/>
         </p:nvSpPr>
@@ -21927,7 +22316,7 @@
       </p:sp>
       <p:sp>
         <p:nvSpPr>
-          <p:cNvPr id="205" name="Google Shape;205;p2"/>
+          <p:cNvPr id="211" name="Google Shape;211;p2"/>
           <p:cNvSpPr txBox="1"/>
           <p:nvPr/>
         </p:nvSpPr>
@@ -22005,7 +22394,7 @@
       </p:sp>
       <p:cxnSp>
         <p:nvCxnSpPr>
-          <p:cNvPr id="206" name="Google Shape;206;p2"/>
+          <p:cNvPr id="212" name="Google Shape;212;p2"/>
           <p:cNvCxnSpPr/>
           <p:nvPr/>
         </p:nvCxnSpPr>
@@ -22031,7 +22420,7 @@
       </p:cxnSp>
       <p:sp>
         <p:nvSpPr>
-          <p:cNvPr id="207" name="Google Shape;207;p2"/>
+          <p:cNvPr id="213" name="Google Shape;213;p2"/>
           <p:cNvSpPr/>
           <p:nvPr/>
         </p:nvSpPr>
@@ -22098,7 +22487,7 @@
       </p:sp>
       <p:sp>
         <p:nvSpPr>
-          <p:cNvPr id="208" name="Google Shape;208;p2"/>
+          <p:cNvPr id="214" name="Google Shape;214;p2"/>
           <p:cNvSpPr/>
           <p:nvPr/>
         </p:nvSpPr>
@@ -22165,7 +22554,7 @@
       </p:sp>
       <p:sp>
         <p:nvSpPr>
-          <p:cNvPr id="209" name="Google Shape;209;p2"/>
+          <p:cNvPr id="215" name="Google Shape;215;p2"/>
           <p:cNvSpPr/>
           <p:nvPr/>
         </p:nvSpPr>
@@ -22232,7 +22621,7 @@
       </p:sp>
       <p:sp>
         <p:nvSpPr>
-          <p:cNvPr id="210" name="Google Shape;210;p2"/>
+          <p:cNvPr id="216" name="Google Shape;216;p2"/>
           <p:cNvSpPr txBox="1"/>
           <p:nvPr/>
         </p:nvSpPr>
@@ -22293,7 +22682,7 @@
   <p:cSld>
     <p:spTree>
       <p:nvGrpSpPr>
-        <p:cNvPr id="215" name="Shape 215"/>
+        <p:cNvPr id="221" name="Shape 221"/>
         <p:cNvGrpSpPr/>
         <p:nvPr/>
       </p:nvGrpSpPr>
@@ -22307,7 +22696,7 @@
       </p:grpSpPr>
       <p:sp>
         <p:nvSpPr>
-          <p:cNvPr id="216" name="Google Shape;216;p3"/>
+          <p:cNvPr id="222" name="Google Shape;222;p3"/>
           <p:cNvSpPr/>
           <p:nvPr/>
         </p:nvSpPr>
@@ -22372,7 +22761,7 @@
       </p:sp>
       <p:sp>
         <p:nvSpPr>
-          <p:cNvPr id="217" name="Google Shape;217;p3"/>
+          <p:cNvPr id="223" name="Google Shape;223;p3"/>
           <p:cNvSpPr txBox="1"/>
           <p:nvPr/>
         </p:nvSpPr>
@@ -22438,7 +22827,7 @@
       </p:sp>
       <p:sp>
         <p:nvSpPr>
-          <p:cNvPr id="218" name="Google Shape;218;p3"/>
+          <p:cNvPr id="224" name="Google Shape;224;p3"/>
           <p:cNvSpPr txBox="1"/>
           <p:nvPr/>
         </p:nvSpPr>
@@ -22504,7 +22893,7 @@
       </p:sp>
       <p:sp>
         <p:nvSpPr>
-          <p:cNvPr id="219" name="Google Shape;219;p3"/>
+          <p:cNvPr id="225" name="Google Shape;225;p3"/>
           <p:cNvSpPr txBox="1"/>
           <p:nvPr/>
         </p:nvSpPr>
@@ -22570,7 +22959,7 @@
       </p:sp>
       <p:sp>
         <p:nvSpPr>
-          <p:cNvPr id="220" name="Google Shape;220;p3"/>
+          <p:cNvPr id="226" name="Google Shape;226;p3"/>
           <p:cNvSpPr/>
           <p:nvPr/>
         </p:nvSpPr>
@@ -22637,7 +23026,7 @@
       </p:sp>
       <p:cxnSp>
         <p:nvCxnSpPr>
-          <p:cNvPr id="221" name="Google Shape;221;p3"/>
+          <p:cNvPr id="227" name="Google Shape;227;p3"/>
           <p:cNvCxnSpPr/>
           <p:nvPr/>
         </p:nvCxnSpPr>
@@ -22663,7 +23052,7 @@
       </p:cxnSp>
       <p:sp>
         <p:nvSpPr>
-          <p:cNvPr id="222" name="Google Shape;222;p3"/>
+          <p:cNvPr id="228" name="Google Shape;228;p3"/>
           <p:cNvSpPr txBox="1"/>
           <p:nvPr/>
         </p:nvSpPr>
@@ -22769,7 +23158,7 @@
       </p:sp>
       <p:cxnSp>
         <p:nvCxnSpPr>
-          <p:cNvPr id="223" name="Google Shape;223;p3"/>
+          <p:cNvPr id="229" name="Google Shape;229;p3"/>
           <p:cNvCxnSpPr/>
           <p:nvPr/>
         </p:nvCxnSpPr>
@@ -22797,7 +23186,7 @@
       </p:cxnSp>
       <p:sp>
         <p:nvSpPr>
-          <p:cNvPr id="224" name="Google Shape;224;p3"/>
+          <p:cNvPr id="230" name="Google Shape;230;p3"/>
           <p:cNvSpPr txBox="1"/>
           <p:nvPr/>
         </p:nvSpPr>
@@ -22863,7 +23252,7 @@
       </p:sp>
       <p:sp>
         <p:nvSpPr>
-          <p:cNvPr id="225" name="Google Shape;225;p3"/>
+          <p:cNvPr id="231" name="Google Shape;231;p3"/>
           <p:cNvSpPr txBox="1"/>
           <p:nvPr/>
         </p:nvSpPr>
@@ -22929,7 +23318,7 @@
       </p:sp>
       <p:cxnSp>
         <p:nvCxnSpPr>
-          <p:cNvPr id="226" name="Google Shape;226;p3"/>
+          <p:cNvPr id="232" name="Google Shape;232;p3"/>
           <p:cNvCxnSpPr/>
           <p:nvPr/>
         </p:nvCxnSpPr>
@@ -22955,7 +23344,7 @@
       </p:cxnSp>
       <p:sp>
         <p:nvSpPr>
-          <p:cNvPr id="227" name="Google Shape;227;p3"/>
+          <p:cNvPr id="233" name="Google Shape;233;p3"/>
           <p:cNvSpPr txBox="1"/>
           <p:nvPr/>
         </p:nvSpPr>
@@ -23021,9 +23410,9 @@
       </p:sp>
       <p:cxnSp>
         <p:nvCxnSpPr>
-          <p:cNvPr id="228" name="Google Shape;228;p3"/>
+          <p:cNvPr id="234" name="Google Shape;234;p3"/>
           <p:cNvCxnSpPr>
-            <a:stCxn id="224" idx="2"/>
+            <a:stCxn id="230" idx="2"/>
           </p:cNvCxnSpPr>
           <p:nvPr/>
         </p:nvCxnSpPr>
@@ -23049,7 +23438,7 @@
       </p:cxnSp>
       <p:sp>
         <p:nvSpPr>
-          <p:cNvPr id="229" name="Google Shape;229;p3"/>
+          <p:cNvPr id="235" name="Google Shape;235;p3"/>
           <p:cNvSpPr txBox="1"/>
           <p:nvPr/>
         </p:nvSpPr>
@@ -23115,7 +23504,7 @@
       </p:sp>
       <p:sp>
         <p:nvSpPr>
-          <p:cNvPr id="230" name="Google Shape;230;p3"/>
+          <p:cNvPr id="236" name="Google Shape;236;p3"/>
           <p:cNvSpPr/>
           <p:nvPr/>
         </p:nvSpPr>
@@ -23182,7 +23571,7 @@
       </p:sp>
       <p:sp>
         <p:nvSpPr>
-          <p:cNvPr id="231" name="Google Shape;231;p3"/>
+          <p:cNvPr id="237" name="Google Shape;237;p3"/>
           <p:cNvSpPr/>
           <p:nvPr/>
         </p:nvSpPr>
@@ -23249,7 +23638,7 @@
       </p:sp>
       <p:sp>
         <p:nvSpPr>
-          <p:cNvPr id="232" name="Google Shape;232;p3"/>
+          <p:cNvPr id="238" name="Google Shape;238;p3"/>
           <p:cNvSpPr/>
           <p:nvPr/>
         </p:nvSpPr>
@@ -23316,7 +23705,7 @@
       </p:sp>
       <p:sp>
         <p:nvSpPr>
-          <p:cNvPr id="233" name="Google Shape;233;p3"/>
+          <p:cNvPr id="239" name="Google Shape;239;p3"/>
           <p:cNvSpPr/>
           <p:nvPr/>
         </p:nvSpPr>
@@ -23384,7 +23773,7 @@
       </p:sp>
       <p:sp>
         <p:nvSpPr>
-          <p:cNvPr id="234" name="Google Shape;234;p3"/>
+          <p:cNvPr id="240" name="Google Shape;240;p3"/>
           <p:cNvSpPr/>
           <p:nvPr/>
         </p:nvSpPr>
@@ -23452,7 +23841,7 @@
       </p:sp>
       <p:sp>
         <p:nvSpPr>
-          <p:cNvPr id="235" name="Google Shape;235;p3"/>
+          <p:cNvPr id="241" name="Google Shape;241;p3"/>
           <p:cNvSpPr/>
           <p:nvPr/>
         </p:nvSpPr>
@@ -23528,7 +23917,7 @@
       </p:sp>
       <p:sp>
         <p:nvSpPr>
-          <p:cNvPr id="236" name="Google Shape;236;p3"/>
+          <p:cNvPr id="242" name="Google Shape;242;p3"/>
           <p:cNvSpPr txBox="1"/>
           <p:nvPr/>
         </p:nvSpPr>
@@ -23594,9 +23983,9 @@
       </p:sp>
       <p:cxnSp>
         <p:nvCxnSpPr>
-          <p:cNvPr id="237" name="Google Shape;237;p3"/>
+          <p:cNvPr id="243" name="Google Shape;243;p3"/>
           <p:cNvCxnSpPr>
-            <a:stCxn id="234" idx="2"/>
+            <a:stCxn id="240" idx="2"/>
           </p:cNvCxnSpPr>
           <p:nvPr/>
         </p:nvCxnSpPr>
@@ -23622,7 +24011,7 @@
       </p:cxnSp>
       <p:sp>
         <p:nvSpPr>
-          <p:cNvPr id="238" name="Google Shape;238;p3"/>
+          <p:cNvPr id="244" name="Google Shape;244;p3"/>
           <p:cNvSpPr txBox="1"/>
           <p:nvPr/>
         </p:nvSpPr>
@@ -23688,7 +24077,7 @@
       </p:sp>
       <p:sp>
         <p:nvSpPr>
-          <p:cNvPr id="239" name="Google Shape;239;p3"/>
+          <p:cNvPr id="245" name="Google Shape;245;p3"/>
           <p:cNvSpPr txBox="1"/>
           <p:nvPr/>
         </p:nvSpPr>
@@ -23766,7 +24155,7 @@
       </p:sp>
       <p:cxnSp>
         <p:nvCxnSpPr>
-          <p:cNvPr id="240" name="Google Shape;240;p3"/>
+          <p:cNvPr id="246" name="Google Shape;246;p3"/>
           <p:cNvCxnSpPr/>
           <p:nvPr/>
         </p:nvCxnSpPr>
@@ -23792,7 +24181,7 @@
       </p:cxnSp>
       <p:sp>
         <p:nvSpPr>
-          <p:cNvPr id="241" name="Google Shape;241;p3"/>
+          <p:cNvPr id="247" name="Google Shape;247;p3"/>
           <p:cNvSpPr txBox="1"/>
           <p:nvPr/>
         </p:nvSpPr>
@@ -23858,7 +24247,7 @@
       </p:sp>
       <p:sp>
         <p:nvSpPr>
-          <p:cNvPr id="242" name="Google Shape;242;p3"/>
+          <p:cNvPr id="248" name="Google Shape;248;p3"/>
           <p:cNvSpPr txBox="1"/>
           <p:nvPr/>
         </p:nvSpPr>
@@ -23919,7 +24308,7 @@
   <p:cSld>
     <p:spTree>
       <p:nvGrpSpPr>
-        <p:cNvPr id="247" name="Shape 247"/>
+        <p:cNvPr id="253" name="Shape 253"/>
         <p:cNvGrpSpPr/>
         <p:nvPr/>
       </p:nvGrpSpPr>
@@ -23933,7 +24322,7 @@
       </p:grpSpPr>
       <p:sp>
         <p:nvSpPr>
-          <p:cNvPr id="248" name="Google Shape;248;g2ef47334477_3_6"/>
+          <p:cNvPr id="254" name="Google Shape;254;g2ef47334477_3_6"/>
           <p:cNvSpPr/>
           <p:nvPr/>
         </p:nvSpPr>
@@ -24007,7 +24396,7 @@
       </p:sp>
       <p:sp>
         <p:nvSpPr>
-          <p:cNvPr id="249" name="Google Shape;249;g2ef47334477_3_6"/>
+          <p:cNvPr id="255" name="Google Shape;255;g2ef47334477_3_6"/>
           <p:cNvSpPr/>
           <p:nvPr/>
         </p:nvSpPr>
@@ -24072,7 +24461,7 @@
       </p:sp>
       <p:sp>
         <p:nvSpPr>
-          <p:cNvPr id="250" name="Google Shape;250;g2ef47334477_3_6"/>
+          <p:cNvPr id="256" name="Google Shape;256;g2ef47334477_3_6"/>
           <p:cNvSpPr txBox="1"/>
           <p:nvPr/>
         </p:nvSpPr>
@@ -24129,7 +24518,7 @@
       </p:sp>
       <p:sp>
         <p:nvSpPr>
-          <p:cNvPr id="251" name="Google Shape;251;g2ef47334477_3_6"/>
+          <p:cNvPr id="257" name="Google Shape;257;g2ef47334477_3_6"/>
           <p:cNvSpPr/>
           <p:nvPr/>
         </p:nvSpPr>
@@ -24197,7 +24586,7 @@
       </p:sp>
       <p:sp>
         <p:nvSpPr>
-          <p:cNvPr id="252" name="Google Shape;252;g2ef47334477_3_6"/>
+          <p:cNvPr id="258" name="Google Shape;258;g2ef47334477_3_6"/>
           <p:cNvSpPr/>
           <p:nvPr/>
         </p:nvSpPr>
@@ -24265,7 +24654,7 @@
       </p:sp>
       <p:sp>
         <p:nvSpPr>
-          <p:cNvPr id="253" name="Google Shape;253;g2ef47334477_3_6"/>
+          <p:cNvPr id="259" name="Google Shape;259;g2ef47334477_3_6"/>
           <p:cNvSpPr txBox="1"/>
           <p:nvPr/>
         </p:nvSpPr>
@@ -24362,7 +24751,7 @@
       </p:sp>
       <p:sp>
         <p:nvSpPr>
-          <p:cNvPr id="254" name="Google Shape;254;g2ef47334477_3_6"/>
+          <p:cNvPr id="260" name="Google Shape;260;g2ef47334477_3_6"/>
           <p:cNvSpPr/>
           <p:nvPr/>
         </p:nvSpPr>
@@ -24436,7 +24825,7 @@
       </p:sp>
       <p:sp>
         <p:nvSpPr>
-          <p:cNvPr id="255" name="Google Shape;255;g2ef47334477_3_6"/>
+          <p:cNvPr id="261" name="Google Shape;261;g2ef47334477_3_6"/>
           <p:cNvSpPr txBox="1"/>
           <p:nvPr/>
         </p:nvSpPr>
@@ -24502,9 +24891,9 @@
       </p:sp>
       <p:cxnSp>
         <p:nvCxnSpPr>
-          <p:cNvPr id="256" name="Google Shape;256;g2ef47334477_3_6"/>
+          <p:cNvPr id="262" name="Google Shape;262;g2ef47334477_3_6"/>
           <p:cNvCxnSpPr>
-            <a:stCxn id="251" idx="2"/>
+            <a:stCxn id="257" idx="2"/>
           </p:cNvCxnSpPr>
           <p:nvPr/>
         </p:nvCxnSpPr>
@@ -24530,7 +24919,7 @@
       </p:cxnSp>
       <p:sp>
         <p:nvSpPr>
-          <p:cNvPr id="257" name="Google Shape;257;g2ef47334477_3_6"/>
+          <p:cNvPr id="263" name="Google Shape;263;g2ef47334477_3_6"/>
           <p:cNvSpPr txBox="1"/>
           <p:nvPr/>
         </p:nvSpPr>
@@ -24596,7 +24985,7 @@
       </p:sp>
       <p:sp>
         <p:nvSpPr>
-          <p:cNvPr id="258" name="Google Shape;258;g2ef47334477_3_6"/>
+          <p:cNvPr id="264" name="Google Shape;264;g2ef47334477_3_6"/>
           <p:cNvSpPr txBox="1"/>
           <p:nvPr/>
         </p:nvSpPr>
@@ -24662,7 +25051,7 @@
       </p:sp>
       <p:sp>
         <p:nvSpPr>
-          <p:cNvPr id="259" name="Google Shape;259;g2ef47334477_3_6"/>
+          <p:cNvPr id="265" name="Google Shape;265;g2ef47334477_3_6"/>
           <p:cNvSpPr txBox="1"/>
           <p:nvPr/>
         </p:nvSpPr>
@@ -24719,7 +25108,7 @@
       </p:sp>
       <p:sp>
         <p:nvSpPr>
-          <p:cNvPr id="260" name="Google Shape;260;g2ef47334477_3_6"/>
+          <p:cNvPr id="266" name="Google Shape;266;g2ef47334477_3_6"/>
           <p:cNvSpPr/>
           <p:nvPr/>
         </p:nvSpPr>
@@ -24786,7 +25175,7 @@
       </p:sp>
       <p:sp>
         <p:nvSpPr>
-          <p:cNvPr id="261" name="Google Shape;261;g2ef47334477_3_6"/>
+          <p:cNvPr id="267" name="Google Shape;267;g2ef47334477_3_6"/>
           <p:cNvSpPr txBox="1"/>
           <p:nvPr/>
         </p:nvSpPr>
@@ -24852,7 +25241,7 @@
       </p:sp>
       <p:sp>
         <p:nvSpPr>
-          <p:cNvPr id="262" name="Google Shape;262;g2ef47334477_3_6"/>
+          <p:cNvPr id="268" name="Google Shape;268;g2ef47334477_3_6"/>
           <p:cNvSpPr txBox="1"/>
           <p:nvPr/>
         </p:nvSpPr>
@@ -24918,7 +25307,7 @@
       </p:sp>
       <p:sp>
         <p:nvSpPr>
-          <p:cNvPr id="263" name="Google Shape;263;g2ef47334477_3_6"/>
+          <p:cNvPr id="269" name="Google Shape;269;g2ef47334477_3_6"/>
           <p:cNvSpPr/>
           <p:nvPr/>
         </p:nvSpPr>
@@ -24983,7 +25372,7 @@
       </p:sp>
       <p:cxnSp>
         <p:nvCxnSpPr>
-          <p:cNvPr id="264" name="Google Shape;264;g2ef47334477_3_6"/>
+          <p:cNvPr id="270" name="Google Shape;270;g2ef47334477_3_6"/>
           <p:cNvCxnSpPr/>
           <p:nvPr/>
         </p:nvCxnSpPr>
@@ -25009,7 +25398,7 @@
       </p:cxnSp>
       <p:sp>
         <p:nvSpPr>
-          <p:cNvPr id="265" name="Google Shape;265;g2ef47334477_3_6"/>
+          <p:cNvPr id="271" name="Google Shape;271;g2ef47334477_3_6"/>
           <p:cNvSpPr txBox="1"/>
           <p:nvPr/>
         </p:nvSpPr>
@@ -25075,7 +25464,7 @@
       </p:sp>
       <p:sp>
         <p:nvSpPr>
-          <p:cNvPr id="266" name="Google Shape;266;g2ef47334477_3_6"/>
+          <p:cNvPr id="272" name="Google Shape;272;g2ef47334477_3_6"/>
           <p:cNvSpPr txBox="1"/>
           <p:nvPr/>
         </p:nvSpPr>
@@ -25141,7 +25530,7 @@
       </p:sp>
       <p:sp>
         <p:nvSpPr>
-          <p:cNvPr id="267" name="Google Shape;267;g2ef47334477_3_6"/>
+          <p:cNvPr id="273" name="Google Shape;273;g2ef47334477_3_6"/>
           <p:cNvSpPr txBox="1"/>
           <p:nvPr/>
         </p:nvSpPr>
@@ -25207,7 +25596,7 @@
       </p:sp>
       <p:sp>
         <p:nvSpPr>
-          <p:cNvPr id="268" name="Google Shape;268;g2ef47334477_3_6"/>
+          <p:cNvPr id="274" name="Google Shape;274;g2ef47334477_3_6"/>
           <p:cNvSpPr/>
           <p:nvPr/>
         </p:nvSpPr>
@@ -25281,7 +25670,7 @@
       </p:sp>
       <p:sp>
         <p:nvSpPr>
-          <p:cNvPr id="269" name="Google Shape;269;g2ef47334477_3_6"/>
+          <p:cNvPr id="275" name="Google Shape;275;g2ef47334477_3_6"/>
           <p:cNvSpPr txBox="1"/>
           <p:nvPr/>
         </p:nvSpPr>
@@ -25326,7 +25715,7 @@
       </p:sp>
       <p:sp>
         <p:nvSpPr>
-          <p:cNvPr id="270" name="Google Shape;270;g2ef47334477_3_6"/>
+          <p:cNvPr id="276" name="Google Shape;276;g2ef47334477_3_6"/>
           <p:cNvSpPr txBox="1"/>
           <p:nvPr/>
         </p:nvSpPr>
@@ -25374,6 +25763,56 @@
           </a:p>
         </p:txBody>
       </p:sp>
+      <p:sp>
+        <p:nvSpPr>
+          <p:cNvPr id="277" name="Google Shape;277;g2ef47334477_3_6"/>
+          <p:cNvSpPr txBox="1"/>
+          <p:nvPr/>
+        </p:nvSpPr>
+        <p:spPr>
+          <a:xfrm>
+            <a:off x="76625" y="2259725"/>
+            <a:ext cx="1326000" cy="284100"/>
+          </a:xfrm>
+          <a:prstGeom prst="rect">
+            <a:avLst/>
+          </a:prstGeom>
+          <a:noFill/>
+          <a:ln>
+            <a:noFill/>
+          </a:ln>
+        </p:spPr>
+        <p:txBody>
+          <a:bodyPr anchorCtr="0" anchor="t" bIns="91425" lIns="91425" spcFirstLastPara="1" rIns="91425" wrap="square" tIns="91425">
+            <a:noAutofit/>
+          </a:bodyPr>
+          <a:lstStyle/>
+          <a:p>
+            <a:pPr indent="0" lvl="0" marL="0" rtl="0" algn="l">
+              <a:spcBef>
+                <a:spcPts val="0"/>
+              </a:spcBef>
+              <a:spcAft>
+                <a:spcPts val="0"/>
+              </a:spcAft>
+              <a:buNone/>
+            </a:pPr>
+            <a:r>
+              <a:rPr lang="pt-BR" sz="1700">
+                <a:solidFill>
+                  <a:schemeClr val="dk1"/>
+                </a:solidFill>
+              </a:rPr>
+              <a:t>Carrinho</a:t>
+            </a:r>
+            <a:endParaRPr sz="1700">
+              <a:solidFill>
+                <a:schemeClr val="dk1"/>
+              </a:solidFill>
+            </a:endParaRPr>
+          </a:p>
+        </p:txBody>
+      </p:sp>
     </p:spTree>
   </p:cSld>
   <p:clrMapOvr>
@@ -25387,7 +25826,7 @@
   <p:cSld>
     <p:spTree>
       <p:nvGrpSpPr>
-        <p:cNvPr id="275" name="Shape 275"/>
+        <p:cNvPr id="282" name="Shape 282"/>
         <p:cNvGrpSpPr/>
         <p:nvPr/>
       </p:nvGrpSpPr>
@@ -25401,7 +25840,7 @@
       </p:grpSpPr>
       <p:sp>
         <p:nvSpPr>
-          <p:cNvPr id="276" name="Google Shape;276;g2ef47334477_4_15"/>
+          <p:cNvPr id="283" name="Google Shape;283;g2ef47334477_4_15"/>
           <p:cNvSpPr txBox="1"/>
           <p:nvPr/>
         </p:nvSpPr>
@@ -25467,7 +25906,7 @@
       </p:sp>
       <p:sp>
         <p:nvSpPr>
-          <p:cNvPr id="277" name="Google Shape;277;g2ef47334477_4_15"/>
+          <p:cNvPr id="284" name="Google Shape;284;g2ef47334477_4_15"/>
           <p:cNvSpPr txBox="1"/>
           <p:nvPr/>
         </p:nvSpPr>
